--- a/posts.assets/2021-10-08-introduction-to-MobileNetV2.assets/standard_convolution.pptx
+++ b/posts.assets/2021-10-08-introduction-to-MobileNetV2.assets/standard_convolution.pptx
@@ -3340,7 +3340,7 @@
         </p:nvSpPr>
         <p:spPr>
           <a:xfrm>
-            <a:off x="5215496" y="1688570"/>
+            <a:off x="4623065" y="1690301"/>
             <a:ext cx="1369819" cy="2691300"/>
           </a:xfrm>
           <a:prstGeom prst="cube">
@@ -3406,7 +3406,7 @@
         </p:nvSpPr>
         <p:spPr>
           <a:xfrm>
-            <a:off x="5223224" y="4148627"/>
+            <a:off x="4630432" y="4149080"/>
             <a:ext cx="198000" cy="220200"/>
           </a:xfrm>
           <a:prstGeom prst="cube">
@@ -3468,7 +3468,7 @@
         </p:nvSpPr>
         <p:spPr>
           <a:xfrm>
-            <a:off x="5365357" y="4148627"/>
+            <a:off x="4772565" y="4149080"/>
             <a:ext cx="198000" cy="220200"/>
           </a:xfrm>
           <a:prstGeom prst="cube">
@@ -3530,7 +3530,7 @@
         </p:nvSpPr>
         <p:spPr>
           <a:xfrm>
-            <a:off x="5507490" y="4148627"/>
+            <a:off x="4914698" y="4149080"/>
             <a:ext cx="198000" cy="220200"/>
           </a:xfrm>
           <a:prstGeom prst="cube">
@@ -3592,7 +3592,7 @@
         </p:nvSpPr>
         <p:spPr>
           <a:xfrm>
-            <a:off x="5647096" y="4148627"/>
+            <a:off x="5054304" y="4149080"/>
             <a:ext cx="198000" cy="220200"/>
           </a:xfrm>
           <a:prstGeom prst="cube">
@@ -3654,7 +3654,7 @@
         </p:nvSpPr>
         <p:spPr>
           <a:xfrm>
-            <a:off x="5789229" y="4148627"/>
+            <a:off x="5196437" y="4149080"/>
             <a:ext cx="198000" cy="220200"/>
           </a:xfrm>
           <a:prstGeom prst="cube">
@@ -3704,10 +3704,10 @@
       </p:sp>
       <p:sp>
         <p:nvSpPr>
-          <p:cNvPr id="492" name="Google Shape;13191;p201">
+          <p:cNvPr id="744" name="Google Shape;13176;p201">
             <a:extLst>
               <a:ext uri="{FF2B5EF4-FFF2-40B4-BE49-F238E27FC236}">
-                <a16:creationId xmlns:a16="http://schemas.microsoft.com/office/drawing/2014/main" id="{60662BCC-1183-48F9-999E-D6AAC46408FF}"/>
+                <a16:creationId xmlns:a16="http://schemas.microsoft.com/office/drawing/2014/main" id="{214D32F9-05B3-4A0E-B685-7A96F8B6F926}"/>
               </a:ext>
             </a:extLst>
           </p:cNvPr>
@@ -3716,12 +3716,174 @@
         </p:nvSpPr>
         <p:spPr>
           <a:xfrm>
-            <a:off x="2692114" y="1698485"/>
-            <a:ext cx="660600" cy="2691300"/>
+            <a:off x="5336043" y="4149080"/>
+            <a:ext cx="198000" cy="220200"/>
           </a:xfrm>
           <a:prstGeom prst="cube">
             <a:avLst>
-              <a:gd name="adj" fmla="val 77968"/>
+              <a:gd name="adj" fmla="val 28246"/>
+            </a:avLst>
+          </a:prstGeom>
+          <a:gradFill>
+            <a:gsLst>
+              <a:gs pos="0">
+                <a:srgbClr val="FF6699"/>
+              </a:gs>
+              <a:gs pos="100000">
+                <a:srgbClr val="FEA4D7"/>
+              </a:gs>
+            </a:gsLst>
+            <a:lin ang="0" scaled="0"/>
+          </a:gradFill>
+          <a:ln w="9525" cap="flat" cmpd="sng">
+            <a:solidFill>
+              <a:schemeClr val="dk2"/>
+            </a:solidFill>
+            <a:prstDash val="solid"/>
+            <a:round/>
+            <a:headEnd type="none" w="sm" len="sm"/>
+            <a:tailEnd type="none" w="sm" len="sm"/>
+          </a:ln>
+        </p:spPr>
+        <p:txBody>
+          <a:bodyPr spcFirstLastPara="1" wrap="square" lIns="91425" tIns="91425" rIns="91425" bIns="91425" anchor="ctr" anchorCtr="0">
+            <a:noAutofit/>
+          </a:bodyPr>
+          <a:lstStyle/>
+          <a:p>
+            <a:pPr marL="0" lvl="0" indent="0" algn="l" rtl="0">
+              <a:spcBef>
+                <a:spcPts val="0"/>
+              </a:spcBef>
+              <a:spcAft>
+                <a:spcPts val="0"/>
+              </a:spcAft>
+              <a:buNone/>
+            </a:pPr>
+            <a:endParaRPr/>
+          </a:p>
+        </p:txBody>
+      </p:sp>
+      <p:sp>
+        <p:nvSpPr>
+          <p:cNvPr id="745" name="Google Shape;13176;p201">
+            <a:extLst>
+              <a:ext uri="{FF2B5EF4-FFF2-40B4-BE49-F238E27FC236}">
+                <a16:creationId xmlns:a16="http://schemas.microsoft.com/office/drawing/2014/main" id="{3224F6AE-4797-4725-AEFC-6B64B29CA239}"/>
+              </a:ext>
+            </a:extLst>
+          </p:cNvPr>
+          <p:cNvSpPr/>
+          <p:nvPr/>
+        </p:nvSpPr>
+        <p:spPr>
+          <a:xfrm>
+            <a:off x="4627103" y="2149053"/>
+            <a:ext cx="198000" cy="220200"/>
+          </a:xfrm>
+          <a:prstGeom prst="cube">
+            <a:avLst>
+              <a:gd name="adj" fmla="val 28246"/>
+            </a:avLst>
+          </a:prstGeom>
+          <a:gradFill>
+            <a:gsLst>
+              <a:gs pos="0">
+                <a:srgbClr val="FF6699"/>
+              </a:gs>
+              <a:gs pos="100000">
+                <a:srgbClr val="FEA4D7"/>
+              </a:gs>
+            </a:gsLst>
+            <a:lin ang="0" scaled="0"/>
+          </a:gradFill>
+          <a:ln w="9525" cap="flat" cmpd="sng">
+            <a:solidFill>
+              <a:schemeClr val="dk2"/>
+            </a:solidFill>
+            <a:prstDash val="solid"/>
+            <a:round/>
+            <a:headEnd type="none" w="sm" len="sm"/>
+            <a:tailEnd type="none" w="sm" len="sm"/>
+          </a:ln>
+        </p:spPr>
+        <p:txBody>
+          <a:bodyPr spcFirstLastPara="1" wrap="square" lIns="91425" tIns="91425" rIns="91425" bIns="91425" anchor="ctr" anchorCtr="0">
+            <a:noAutofit/>
+          </a:bodyPr>
+          <a:lstStyle/>
+          <a:p>
+            <a:pPr marL="0" lvl="0" indent="0" algn="l" rtl="0">
+              <a:spcBef>
+                <a:spcPts val="0"/>
+              </a:spcBef>
+              <a:spcAft>
+                <a:spcPts val="0"/>
+              </a:spcAft>
+              <a:buNone/>
+            </a:pPr>
+            <a:endParaRPr/>
+          </a:p>
+        </p:txBody>
+      </p:sp>
+      <p:cxnSp>
+        <p:nvCxnSpPr>
+          <p:cNvPr id="746" name="Google Shape;13297;p201">
+            <a:extLst>
+              <a:ext uri="{FF2B5EF4-FFF2-40B4-BE49-F238E27FC236}">
+                <a16:creationId xmlns:a16="http://schemas.microsoft.com/office/drawing/2014/main" id="{FAC89E67-33C5-44FB-A541-A7C0B79FBED5}"/>
+              </a:ext>
+            </a:extLst>
+          </p:cNvPr>
+          <p:cNvCxnSpPr>
+            <a:cxnSpLocks/>
+            <a:stCxn id="152" idx="3"/>
+            <a:endCxn id="745" idx="2"/>
+          </p:cNvCxnSpPr>
+          <p:nvPr/>
+        </p:nvCxnSpPr>
+        <p:spPr>
+          <a:xfrm flipV="1">
+            <a:off x="3853799" y="2287117"/>
+            <a:ext cx="773304" cy="150062"/>
+          </a:xfrm>
+          <a:prstGeom prst="curvedConnector3">
+            <a:avLst>
+              <a:gd name="adj1" fmla="val 50000"/>
+            </a:avLst>
+          </a:prstGeom>
+          <a:noFill/>
+          <a:ln w="19050" cap="flat" cmpd="sng">
+            <a:solidFill>
+              <a:srgbClr val="F4CCCC"/>
+            </a:solidFill>
+            <a:prstDash val="solid"/>
+            <a:round/>
+            <a:headEnd type="none" w="med" len="med"/>
+            <a:tailEnd type="triangle" w="med" len="med"/>
+          </a:ln>
+        </p:spPr>
+      </p:cxnSp>
+      <p:sp>
+        <p:nvSpPr>
+          <p:cNvPr id="129" name="Google Shape;13174;p201">
+            <a:extLst>
+              <a:ext uri="{FF2B5EF4-FFF2-40B4-BE49-F238E27FC236}">
+                <a16:creationId xmlns:a16="http://schemas.microsoft.com/office/drawing/2014/main" id="{456C8550-173A-4241-A979-C78898178FAC}"/>
+              </a:ext>
+            </a:extLst>
+          </p:cNvPr>
+          <p:cNvSpPr/>
+          <p:nvPr/>
+        </p:nvSpPr>
+        <p:spPr>
+          <a:xfrm>
+            <a:off x="3440990" y="1688570"/>
+            <a:ext cx="945000" cy="2691300"/>
+          </a:xfrm>
+          <a:prstGeom prst="cube">
+            <a:avLst>
+              <a:gd name="adj" fmla="val 56788"/>
             </a:avLst>
           </a:prstGeom>
           <a:gradFill>
@@ -3768,342 +3930,12 @@
           </a:p>
         </p:txBody>
       </p:sp>
-      <p:sp>
-        <p:nvSpPr>
-          <p:cNvPr id="493" name="Google Shape;13191;p201">
+      <p:grpSp>
+        <p:nvGrpSpPr>
+          <p:cNvPr id="130" name="Google Shape;13194;p201">
             <a:extLst>
               <a:ext uri="{FF2B5EF4-FFF2-40B4-BE49-F238E27FC236}">
-                <a16:creationId xmlns:a16="http://schemas.microsoft.com/office/drawing/2014/main" id="{F63FB9AA-6AA0-4C2F-B834-5325B60FA312}"/>
-              </a:ext>
-            </a:extLst>
-          </p:cNvPr>
-          <p:cNvSpPr/>
-          <p:nvPr/>
-        </p:nvSpPr>
-        <p:spPr>
-          <a:xfrm>
-            <a:off x="2834247" y="1694665"/>
-            <a:ext cx="660600" cy="2691300"/>
-          </a:xfrm>
-          <a:prstGeom prst="cube">
-            <a:avLst>
-              <a:gd name="adj" fmla="val 77968"/>
-            </a:avLst>
-          </a:prstGeom>
-          <a:gradFill>
-            <a:gsLst>
-              <a:gs pos="0">
-                <a:srgbClr val="69D4F4">
-                  <a:alpha val="26274"/>
-                </a:srgbClr>
-              </a:gs>
-              <a:gs pos="100000">
-                <a:srgbClr val="9F39D5">
-                  <a:alpha val="16862"/>
-                </a:srgbClr>
-              </a:gs>
-            </a:gsLst>
-            <a:lin ang="13500032" scaled="0"/>
-          </a:gradFill>
-          <a:ln w="9525" cap="flat" cmpd="sng">
-            <a:solidFill>
-              <a:srgbClr val="FFFFFF"/>
-            </a:solidFill>
-            <a:prstDash val="solid"/>
-            <a:round/>
-            <a:headEnd type="none" w="sm" len="sm"/>
-            <a:tailEnd type="none" w="sm" len="sm"/>
-          </a:ln>
-        </p:spPr>
-        <p:txBody>
-          <a:bodyPr spcFirstLastPara="1" wrap="square" lIns="91425" tIns="91425" rIns="91425" bIns="91425" anchor="ctr" anchorCtr="0">
-            <a:noAutofit/>
-          </a:bodyPr>
-          <a:lstStyle/>
-          <a:p>
-            <a:pPr marL="0" lvl="0" indent="0" algn="l" rtl="0">
-              <a:spcBef>
-                <a:spcPts val="0"/>
-              </a:spcBef>
-              <a:spcAft>
-                <a:spcPts val="0"/>
-              </a:spcAft>
-              <a:buNone/>
-            </a:pPr>
-            <a:endParaRPr/>
-          </a:p>
-        </p:txBody>
-      </p:sp>
-      <p:sp>
-        <p:nvSpPr>
-          <p:cNvPr id="494" name="Google Shape;13191;p201">
-            <a:extLst>
-              <a:ext uri="{FF2B5EF4-FFF2-40B4-BE49-F238E27FC236}">
-                <a16:creationId xmlns:a16="http://schemas.microsoft.com/office/drawing/2014/main" id="{FE855B55-437F-4B87-93F9-47CD6C7904EA}"/>
-              </a:ext>
-            </a:extLst>
-          </p:cNvPr>
-          <p:cNvSpPr/>
-          <p:nvPr/>
-        </p:nvSpPr>
-        <p:spPr>
-          <a:xfrm>
-            <a:off x="2976380" y="1694665"/>
-            <a:ext cx="660600" cy="2691300"/>
-          </a:xfrm>
-          <a:prstGeom prst="cube">
-            <a:avLst>
-              <a:gd name="adj" fmla="val 77968"/>
-            </a:avLst>
-          </a:prstGeom>
-          <a:gradFill>
-            <a:gsLst>
-              <a:gs pos="0">
-                <a:srgbClr val="69D4F4">
-                  <a:alpha val="26274"/>
-                </a:srgbClr>
-              </a:gs>
-              <a:gs pos="100000">
-                <a:srgbClr val="9F39D5">
-                  <a:alpha val="16862"/>
-                </a:srgbClr>
-              </a:gs>
-            </a:gsLst>
-            <a:lin ang="13500032" scaled="0"/>
-          </a:gradFill>
-          <a:ln w="9525" cap="flat" cmpd="sng">
-            <a:solidFill>
-              <a:srgbClr val="FFFFFF"/>
-            </a:solidFill>
-            <a:prstDash val="solid"/>
-            <a:round/>
-            <a:headEnd type="none" w="sm" len="sm"/>
-            <a:tailEnd type="none" w="sm" len="sm"/>
-          </a:ln>
-        </p:spPr>
-        <p:txBody>
-          <a:bodyPr spcFirstLastPara="1" wrap="square" lIns="91425" tIns="91425" rIns="91425" bIns="91425" anchor="ctr" anchorCtr="0">
-            <a:noAutofit/>
-          </a:bodyPr>
-          <a:lstStyle/>
-          <a:p>
-            <a:pPr marL="0" lvl="0" indent="0" algn="l" rtl="0">
-              <a:spcBef>
-                <a:spcPts val="0"/>
-              </a:spcBef>
-              <a:spcAft>
-                <a:spcPts val="0"/>
-              </a:spcAft>
-              <a:buNone/>
-            </a:pPr>
-            <a:endParaRPr/>
-          </a:p>
-        </p:txBody>
-      </p:sp>
-      <p:sp>
-        <p:nvSpPr>
-          <p:cNvPr id="495" name="Google Shape;13191;p201">
-            <a:extLst>
-              <a:ext uri="{FF2B5EF4-FFF2-40B4-BE49-F238E27FC236}">
-                <a16:creationId xmlns:a16="http://schemas.microsoft.com/office/drawing/2014/main" id="{3623E487-C8BF-4F7C-8322-E913E8EC219A}"/>
-              </a:ext>
-            </a:extLst>
-          </p:cNvPr>
-          <p:cNvSpPr/>
-          <p:nvPr/>
-        </p:nvSpPr>
-        <p:spPr>
-          <a:xfrm>
-            <a:off x="3953805" y="1704628"/>
-            <a:ext cx="660600" cy="2691300"/>
-          </a:xfrm>
-          <a:prstGeom prst="cube">
-            <a:avLst>
-              <a:gd name="adj" fmla="val 77968"/>
-            </a:avLst>
-          </a:prstGeom>
-          <a:gradFill>
-            <a:gsLst>
-              <a:gs pos="0">
-                <a:srgbClr val="69D4F4">
-                  <a:alpha val="26274"/>
-                </a:srgbClr>
-              </a:gs>
-              <a:gs pos="100000">
-                <a:srgbClr val="9F39D5">
-                  <a:alpha val="16862"/>
-                </a:srgbClr>
-              </a:gs>
-            </a:gsLst>
-            <a:lin ang="13500032" scaled="0"/>
-          </a:gradFill>
-          <a:ln w="9525" cap="flat" cmpd="sng">
-            <a:solidFill>
-              <a:srgbClr val="FFFFFF"/>
-            </a:solidFill>
-            <a:prstDash val="solid"/>
-            <a:round/>
-            <a:headEnd type="none" w="sm" len="sm"/>
-            <a:tailEnd type="none" w="sm" len="sm"/>
-          </a:ln>
-        </p:spPr>
-        <p:txBody>
-          <a:bodyPr spcFirstLastPara="1" wrap="square" lIns="91425" tIns="91425" rIns="91425" bIns="91425" anchor="ctr" anchorCtr="0">
-            <a:noAutofit/>
-          </a:bodyPr>
-          <a:lstStyle/>
-          <a:p>
-            <a:pPr marL="0" lvl="0" indent="0" algn="l" rtl="0">
-              <a:spcBef>
-                <a:spcPts val="0"/>
-              </a:spcBef>
-              <a:spcAft>
-                <a:spcPts val="0"/>
-              </a:spcAft>
-              <a:buNone/>
-            </a:pPr>
-            <a:endParaRPr/>
-          </a:p>
-        </p:txBody>
-      </p:sp>
-      <p:sp>
-        <p:nvSpPr>
-          <p:cNvPr id="496" name="Google Shape;13191;p201">
-            <a:extLst>
-              <a:ext uri="{FF2B5EF4-FFF2-40B4-BE49-F238E27FC236}">
-                <a16:creationId xmlns:a16="http://schemas.microsoft.com/office/drawing/2014/main" id="{491176CF-2185-41B9-BFED-308B33C5A4A1}"/>
-              </a:ext>
-            </a:extLst>
-          </p:cNvPr>
-          <p:cNvSpPr/>
-          <p:nvPr/>
-        </p:nvSpPr>
-        <p:spPr>
-          <a:xfrm>
-            <a:off x="4095938" y="1700808"/>
-            <a:ext cx="660600" cy="2691300"/>
-          </a:xfrm>
-          <a:prstGeom prst="cube">
-            <a:avLst>
-              <a:gd name="adj" fmla="val 77968"/>
-            </a:avLst>
-          </a:prstGeom>
-          <a:gradFill>
-            <a:gsLst>
-              <a:gs pos="0">
-                <a:srgbClr val="69D4F4">
-                  <a:alpha val="26274"/>
-                </a:srgbClr>
-              </a:gs>
-              <a:gs pos="100000">
-                <a:srgbClr val="9F39D5">
-                  <a:alpha val="16862"/>
-                </a:srgbClr>
-              </a:gs>
-            </a:gsLst>
-            <a:lin ang="13500032" scaled="0"/>
-          </a:gradFill>
-          <a:ln w="9525" cap="flat" cmpd="sng">
-            <a:solidFill>
-              <a:srgbClr val="FFFFFF"/>
-            </a:solidFill>
-            <a:prstDash val="solid"/>
-            <a:round/>
-            <a:headEnd type="none" w="sm" len="sm"/>
-            <a:tailEnd type="none" w="sm" len="sm"/>
-          </a:ln>
-        </p:spPr>
-        <p:txBody>
-          <a:bodyPr spcFirstLastPara="1" wrap="square" lIns="91425" tIns="91425" rIns="91425" bIns="91425" anchor="ctr" anchorCtr="0">
-            <a:noAutofit/>
-          </a:bodyPr>
-          <a:lstStyle/>
-          <a:p>
-            <a:pPr marL="0" lvl="0" indent="0" algn="l" rtl="0">
-              <a:spcBef>
-                <a:spcPts val="0"/>
-              </a:spcBef>
-              <a:spcAft>
-                <a:spcPts val="0"/>
-              </a:spcAft>
-              <a:buNone/>
-            </a:pPr>
-            <a:endParaRPr/>
-          </a:p>
-        </p:txBody>
-      </p:sp>
-      <p:sp>
-        <p:nvSpPr>
-          <p:cNvPr id="497" name="Google Shape;13191;p201">
-            <a:extLst>
-              <a:ext uri="{FF2B5EF4-FFF2-40B4-BE49-F238E27FC236}">
-                <a16:creationId xmlns:a16="http://schemas.microsoft.com/office/drawing/2014/main" id="{58182C1D-E38F-470E-B47E-FC222517B9F7}"/>
-              </a:ext>
-            </a:extLst>
-          </p:cNvPr>
-          <p:cNvSpPr/>
-          <p:nvPr/>
-        </p:nvSpPr>
-        <p:spPr>
-          <a:xfrm>
-            <a:off x="4238071" y="1700808"/>
-            <a:ext cx="660600" cy="2691300"/>
-          </a:xfrm>
-          <a:prstGeom prst="cube">
-            <a:avLst>
-              <a:gd name="adj" fmla="val 77968"/>
-            </a:avLst>
-          </a:prstGeom>
-          <a:gradFill>
-            <a:gsLst>
-              <a:gs pos="0">
-                <a:srgbClr val="69D4F4">
-                  <a:alpha val="26274"/>
-                </a:srgbClr>
-              </a:gs>
-              <a:gs pos="100000">
-                <a:srgbClr val="9F39D5">
-                  <a:alpha val="16862"/>
-                </a:srgbClr>
-              </a:gs>
-            </a:gsLst>
-            <a:lin ang="13500032" scaled="0"/>
-          </a:gradFill>
-          <a:ln w="9525" cap="flat" cmpd="sng">
-            <a:solidFill>
-              <a:srgbClr val="FFFFFF"/>
-            </a:solidFill>
-            <a:prstDash val="solid"/>
-            <a:round/>
-            <a:headEnd type="none" w="sm" len="sm"/>
-            <a:tailEnd type="none" w="sm" len="sm"/>
-          </a:ln>
-        </p:spPr>
-        <p:txBody>
-          <a:bodyPr spcFirstLastPara="1" wrap="square" lIns="91425" tIns="91425" rIns="91425" bIns="91425" anchor="ctr" anchorCtr="0">
-            <a:noAutofit/>
-          </a:bodyPr>
-          <a:lstStyle/>
-          <a:p>
-            <a:pPr marL="0" lvl="0" indent="0" algn="l" rtl="0">
-              <a:spcBef>
-                <a:spcPts val="0"/>
-              </a:spcBef>
-              <a:spcAft>
-                <a:spcPts val="0"/>
-              </a:spcAft>
-              <a:buNone/>
-            </a:pPr>
-            <a:endParaRPr/>
-          </a:p>
-        </p:txBody>
-      </p:sp>
-      <p:grpSp>
-        <p:nvGrpSpPr>
-          <p:cNvPr id="498" name="Google Shape;13194;p201">
-            <a:extLst>
-              <a:ext uri="{FF2B5EF4-FFF2-40B4-BE49-F238E27FC236}">
-                <a16:creationId xmlns:a16="http://schemas.microsoft.com/office/drawing/2014/main" id="{92B11434-FDE6-4599-8446-CE32C76645AD}"/>
+                <a16:creationId xmlns:a16="http://schemas.microsoft.com/office/drawing/2014/main" id="{51E4B2C4-5E9B-4A57-B205-0D2024DA917F}"/>
               </a:ext>
             </a:extLst>
           </p:cNvPr>
@@ -4112,7 +3944,7 @@
         </p:nvGrpSpPr>
         <p:grpSpPr>
           <a:xfrm>
-            <a:off x="2691104" y="2067457"/>
+            <a:off x="3445200" y="2070000"/>
             <a:ext cx="570552" cy="583354"/>
             <a:chOff x="506259" y="2370079"/>
             <a:chExt cx="560574" cy="638941"/>
@@ -4120,10 +3952,10 @@
         </p:grpSpPr>
         <p:grpSp>
           <p:nvGrpSpPr>
-            <p:cNvPr id="499" name="Google Shape;13195;p201">
+            <p:cNvPr id="131" name="Google Shape;13195;p201">
               <a:extLst>
                 <a:ext uri="{FF2B5EF4-FFF2-40B4-BE49-F238E27FC236}">
-                  <a16:creationId xmlns:a16="http://schemas.microsoft.com/office/drawing/2014/main" id="{3E855291-5345-458C-A358-D189057D4B50}"/>
+                  <a16:creationId xmlns:a16="http://schemas.microsoft.com/office/drawing/2014/main" id="{55FAD652-E4A5-4E2A-B031-81A5BDFE6C9B}"/>
                 </a:ext>
               </a:extLst>
             </p:cNvPr>
@@ -4140,10 +3972,10 @@
           </p:grpSpPr>
           <p:grpSp>
             <p:nvGrpSpPr>
-              <p:cNvPr id="568" name="Google Shape;13196;p201">
+              <p:cNvPr id="200" name="Google Shape;13196;p201">
                 <a:extLst>
                   <a:ext uri="{FF2B5EF4-FFF2-40B4-BE49-F238E27FC236}">
-                    <a16:creationId xmlns:a16="http://schemas.microsoft.com/office/drawing/2014/main" id="{B0AA71A5-C3C5-41E2-951F-960F0F99D231}"/>
+                    <a16:creationId xmlns:a16="http://schemas.microsoft.com/office/drawing/2014/main" id="{DB9C19A8-878B-4EF9-8D89-CDEB9037DE7B}"/>
                   </a:ext>
                 </a:extLst>
               </p:cNvPr>
@@ -4160,10 +3992,10 @@
             </p:grpSpPr>
             <p:grpSp>
               <p:nvGrpSpPr>
-                <p:cNvPr id="591" name="Google Shape;13197;p201">
+                <p:cNvPr id="224" name="Google Shape;13197;p201">
                   <a:extLst>
                     <a:ext uri="{FF2B5EF4-FFF2-40B4-BE49-F238E27FC236}">
-                      <a16:creationId xmlns:a16="http://schemas.microsoft.com/office/drawing/2014/main" id="{D0D7C88F-640A-45C4-8985-0DBF3BA3BF8E}"/>
+                      <a16:creationId xmlns:a16="http://schemas.microsoft.com/office/drawing/2014/main" id="{CB9CC0D2-C0BA-495F-B4AF-CDDA7100A15D}"/>
                     </a:ext>
                   </a:extLst>
                 </p:cNvPr>
@@ -4180,10 +4012,10 @@
               </p:grpSpPr>
               <p:sp>
                 <p:nvSpPr>
-                  <p:cNvPr id="599" name="Google Shape;13198;p201">
+                  <p:cNvPr id="232" name="Google Shape;13198;p201">
                     <a:extLst>
                       <a:ext uri="{FF2B5EF4-FFF2-40B4-BE49-F238E27FC236}">
-                        <a16:creationId xmlns:a16="http://schemas.microsoft.com/office/drawing/2014/main" id="{681C9963-7290-4C6A-ADDB-610D1DF032B2}"/>
+                        <a16:creationId xmlns:a16="http://schemas.microsoft.com/office/drawing/2014/main" id="{54B107F4-B64A-4FF4-8F55-ABA910DC0D12}"/>
                       </a:ext>
                     </a:extLst>
                   </p:cNvPr>
@@ -4240,10 +4072,10 @@
               </p:sp>
               <p:sp>
                 <p:nvSpPr>
-                  <p:cNvPr id="600" name="Google Shape;13199;p201">
+                  <p:cNvPr id="233" name="Google Shape;13199;p201">
                     <a:extLst>
                       <a:ext uri="{FF2B5EF4-FFF2-40B4-BE49-F238E27FC236}">
-                        <a16:creationId xmlns:a16="http://schemas.microsoft.com/office/drawing/2014/main" id="{59439BBC-2DAB-42FC-8E7F-9CA53015750A}"/>
+                        <a16:creationId xmlns:a16="http://schemas.microsoft.com/office/drawing/2014/main" id="{ACEC27AB-3DD7-438A-A9F8-7A2E6DDF1016}"/>
                       </a:ext>
                     </a:extLst>
                   </p:cNvPr>
@@ -4303,10 +4135,10 @@
             </p:grpSp>
             <p:grpSp>
               <p:nvGrpSpPr>
-                <p:cNvPr id="592" name="Google Shape;13200;p201">
+                <p:cNvPr id="225" name="Google Shape;13200;p201">
                   <a:extLst>
                     <a:ext uri="{FF2B5EF4-FFF2-40B4-BE49-F238E27FC236}">
-                      <a16:creationId xmlns:a16="http://schemas.microsoft.com/office/drawing/2014/main" id="{804DC432-ED78-4150-B820-0E45A651FD04}"/>
+                      <a16:creationId xmlns:a16="http://schemas.microsoft.com/office/drawing/2014/main" id="{44791DA9-151B-4750-B156-11CB537ACD41}"/>
                     </a:ext>
                   </a:extLst>
                 </p:cNvPr>
@@ -4323,10 +4155,10 @@
               </p:grpSpPr>
               <p:sp>
                 <p:nvSpPr>
-                  <p:cNvPr id="596" name="Google Shape;13201;p201">
+                  <p:cNvPr id="229" name="Google Shape;13201;p201">
                     <a:extLst>
                       <a:ext uri="{FF2B5EF4-FFF2-40B4-BE49-F238E27FC236}">
-                        <a16:creationId xmlns:a16="http://schemas.microsoft.com/office/drawing/2014/main" id="{749F0ACC-74AF-4A55-8CB0-595E5D084A45}"/>
+                        <a16:creationId xmlns:a16="http://schemas.microsoft.com/office/drawing/2014/main" id="{99515751-9014-40DF-8AE5-F2FD252B3E29}"/>
                       </a:ext>
                     </a:extLst>
                   </p:cNvPr>
@@ -4383,10 +4215,10 @@
               </p:sp>
               <p:sp>
                 <p:nvSpPr>
-                  <p:cNvPr id="597" name="Google Shape;13202;p201">
+                  <p:cNvPr id="230" name="Google Shape;13202;p201">
                     <a:extLst>
                       <a:ext uri="{FF2B5EF4-FFF2-40B4-BE49-F238E27FC236}">
-                        <a16:creationId xmlns:a16="http://schemas.microsoft.com/office/drawing/2014/main" id="{303B0C56-D830-47E6-B2B6-229162AF51EA}"/>
+                        <a16:creationId xmlns:a16="http://schemas.microsoft.com/office/drawing/2014/main" id="{26D4DE55-9306-477C-8AA1-80F78DCC3B3C}"/>
                       </a:ext>
                     </a:extLst>
                   </p:cNvPr>
@@ -4445,10 +4277,10 @@
               </p:sp>
               <p:sp>
                 <p:nvSpPr>
-                  <p:cNvPr id="598" name="Google Shape;13203;p201">
+                  <p:cNvPr id="231" name="Google Shape;13203;p201">
                     <a:extLst>
                       <a:ext uri="{FF2B5EF4-FFF2-40B4-BE49-F238E27FC236}">
-                        <a16:creationId xmlns:a16="http://schemas.microsoft.com/office/drawing/2014/main" id="{A6E5AD99-7310-4487-9353-1CB3898EA154}"/>
+                        <a16:creationId xmlns:a16="http://schemas.microsoft.com/office/drawing/2014/main" id="{281A6207-B719-4BD9-9A23-ADFDB2D812A3}"/>
                       </a:ext>
                     </a:extLst>
                   </p:cNvPr>
@@ -4509,10 +4341,10 @@
             </p:grpSp>
             <p:grpSp>
               <p:nvGrpSpPr>
-                <p:cNvPr id="593" name="Google Shape;13204;p201">
+                <p:cNvPr id="226" name="Google Shape;13204;p201">
                   <a:extLst>
                     <a:ext uri="{FF2B5EF4-FFF2-40B4-BE49-F238E27FC236}">
-                      <a16:creationId xmlns:a16="http://schemas.microsoft.com/office/drawing/2014/main" id="{13C5CD61-EF19-4183-87ED-2D258C5A6B51}"/>
+                      <a16:creationId xmlns:a16="http://schemas.microsoft.com/office/drawing/2014/main" id="{7CBAD5F7-12EA-4920-8380-0F99875A889C}"/>
                     </a:ext>
                   </a:extLst>
                 </p:cNvPr>
@@ -4529,10 +4361,10 @@
               </p:grpSpPr>
               <p:sp>
                 <p:nvSpPr>
-                  <p:cNvPr id="594" name="Google Shape;13205;p201">
+                  <p:cNvPr id="227" name="Google Shape;13205;p201">
                     <a:extLst>
                       <a:ext uri="{FF2B5EF4-FFF2-40B4-BE49-F238E27FC236}">
-                        <a16:creationId xmlns:a16="http://schemas.microsoft.com/office/drawing/2014/main" id="{8C102998-2571-4E72-8A27-967BEEF6AD16}"/>
+                        <a16:creationId xmlns:a16="http://schemas.microsoft.com/office/drawing/2014/main" id="{49AD2241-D9B9-4EE5-B50D-649B53611229}"/>
                       </a:ext>
                     </a:extLst>
                   </p:cNvPr>
@@ -4591,10 +4423,10 @@
               </p:sp>
               <p:sp>
                 <p:nvSpPr>
-                  <p:cNvPr id="595" name="Google Shape;13206;p201">
+                  <p:cNvPr id="228" name="Google Shape;13206;p201">
                     <a:extLst>
                       <a:ext uri="{FF2B5EF4-FFF2-40B4-BE49-F238E27FC236}">
-                        <a16:creationId xmlns:a16="http://schemas.microsoft.com/office/drawing/2014/main" id="{1E027E7F-AC67-4E02-BEC6-4BE1547245BF}"/>
+                        <a16:creationId xmlns:a16="http://schemas.microsoft.com/office/drawing/2014/main" id="{F0F3C502-18A8-43D8-89CD-296B3878F747}"/>
                       </a:ext>
                     </a:extLst>
                   </p:cNvPr>
@@ -4653,10 +4485,10 @@
           </p:grpSp>
           <p:grpSp>
             <p:nvGrpSpPr>
-              <p:cNvPr id="569" name="Google Shape;13207;p201">
+              <p:cNvPr id="201" name="Google Shape;13207;p201">
                 <a:extLst>
                   <a:ext uri="{FF2B5EF4-FFF2-40B4-BE49-F238E27FC236}">
-                    <a16:creationId xmlns:a16="http://schemas.microsoft.com/office/drawing/2014/main" id="{23716647-5EF3-4696-9EC3-21C34D367186}"/>
+                    <a16:creationId xmlns:a16="http://schemas.microsoft.com/office/drawing/2014/main" id="{0DA3F8BE-9C80-4510-B3FD-6BBDE931269C}"/>
                   </a:ext>
                 </a:extLst>
               </p:cNvPr>
@@ -4673,10 +4505,10 @@
             </p:grpSpPr>
             <p:grpSp>
               <p:nvGrpSpPr>
-                <p:cNvPr id="581" name="Google Shape;13208;p201">
+                <p:cNvPr id="213" name="Google Shape;13208;p201">
                   <a:extLst>
                     <a:ext uri="{FF2B5EF4-FFF2-40B4-BE49-F238E27FC236}">
-                      <a16:creationId xmlns:a16="http://schemas.microsoft.com/office/drawing/2014/main" id="{5FCC5891-2CEE-4BB4-BA1E-8B9D12A530B9}"/>
+                      <a16:creationId xmlns:a16="http://schemas.microsoft.com/office/drawing/2014/main" id="{1C23D728-2965-429D-8DC8-EEF3294E8946}"/>
                     </a:ext>
                   </a:extLst>
                 </p:cNvPr>
@@ -4693,10 +4525,10 @@
               </p:grpSpPr>
               <p:sp>
                 <p:nvSpPr>
-                  <p:cNvPr id="589" name="Google Shape;13209;p201">
+                  <p:cNvPr id="221" name="Google Shape;13209;p201">
                     <a:extLst>
                       <a:ext uri="{FF2B5EF4-FFF2-40B4-BE49-F238E27FC236}">
-                        <a16:creationId xmlns:a16="http://schemas.microsoft.com/office/drawing/2014/main" id="{18722EEE-24E7-4725-898C-14281FFBF1A5}"/>
+                        <a16:creationId xmlns:a16="http://schemas.microsoft.com/office/drawing/2014/main" id="{F3E7643D-CEA8-414A-9DC0-B00409016EB6}"/>
                       </a:ext>
                     </a:extLst>
                   </p:cNvPr>
@@ -4753,10 +4585,10 @@
               </p:sp>
               <p:sp>
                 <p:nvSpPr>
-                  <p:cNvPr id="590" name="Google Shape;13210;p201">
+                  <p:cNvPr id="222" name="Google Shape;13210;p201">
                     <a:extLst>
                       <a:ext uri="{FF2B5EF4-FFF2-40B4-BE49-F238E27FC236}">
-                        <a16:creationId xmlns:a16="http://schemas.microsoft.com/office/drawing/2014/main" id="{B0872935-0F50-47E4-B393-345A6CAC06A0}"/>
+                        <a16:creationId xmlns:a16="http://schemas.microsoft.com/office/drawing/2014/main" id="{C1AE74A0-F47E-4B56-A76C-C448DF0BDECB}"/>
                       </a:ext>
                     </a:extLst>
                   </p:cNvPr>
@@ -4816,10 +4648,10 @@
             </p:grpSp>
             <p:grpSp>
               <p:nvGrpSpPr>
-                <p:cNvPr id="582" name="Google Shape;13211;p201">
+                <p:cNvPr id="214" name="Google Shape;13211;p201">
                   <a:extLst>
                     <a:ext uri="{FF2B5EF4-FFF2-40B4-BE49-F238E27FC236}">
-                      <a16:creationId xmlns:a16="http://schemas.microsoft.com/office/drawing/2014/main" id="{81CD16CE-6690-41CD-A29C-9FBB8AB944FB}"/>
+                      <a16:creationId xmlns:a16="http://schemas.microsoft.com/office/drawing/2014/main" id="{2DCF9883-D24A-442D-A778-51028238A463}"/>
                     </a:ext>
                   </a:extLst>
                 </p:cNvPr>
@@ -4836,10 +4668,10 @@
               </p:grpSpPr>
               <p:sp>
                 <p:nvSpPr>
-                  <p:cNvPr id="586" name="Google Shape;13212;p201">
+                  <p:cNvPr id="218" name="Google Shape;13212;p201">
                     <a:extLst>
                       <a:ext uri="{FF2B5EF4-FFF2-40B4-BE49-F238E27FC236}">
-                        <a16:creationId xmlns:a16="http://schemas.microsoft.com/office/drawing/2014/main" id="{3F701101-C282-47D7-898E-8CFC229DBBDA}"/>
+                        <a16:creationId xmlns:a16="http://schemas.microsoft.com/office/drawing/2014/main" id="{1C0A874E-96B3-49BD-B307-9DADBB3DB173}"/>
                       </a:ext>
                     </a:extLst>
                   </p:cNvPr>
@@ -4896,10 +4728,10 @@
               </p:sp>
               <p:sp>
                 <p:nvSpPr>
-                  <p:cNvPr id="587" name="Google Shape;13213;p201">
+                  <p:cNvPr id="219" name="Google Shape;13213;p201">
                     <a:extLst>
                       <a:ext uri="{FF2B5EF4-FFF2-40B4-BE49-F238E27FC236}">
-                        <a16:creationId xmlns:a16="http://schemas.microsoft.com/office/drawing/2014/main" id="{D9BD0200-0567-422C-8730-7BBC16960C34}"/>
+                        <a16:creationId xmlns:a16="http://schemas.microsoft.com/office/drawing/2014/main" id="{A2ED5B15-928D-460E-8343-405595E1D7B4}"/>
                       </a:ext>
                     </a:extLst>
                   </p:cNvPr>
@@ -4958,10 +4790,10 @@
               </p:sp>
               <p:sp>
                 <p:nvSpPr>
-                  <p:cNvPr id="588" name="Google Shape;13214;p201">
+                  <p:cNvPr id="220" name="Google Shape;13214;p201">
                     <a:extLst>
                       <a:ext uri="{FF2B5EF4-FFF2-40B4-BE49-F238E27FC236}">
-                        <a16:creationId xmlns:a16="http://schemas.microsoft.com/office/drawing/2014/main" id="{D200C4AD-308A-4539-BE87-08A15CDF679B}"/>
+                        <a16:creationId xmlns:a16="http://schemas.microsoft.com/office/drawing/2014/main" id="{42E7C61D-C1A6-490F-AE17-BA5A1CA4C628}"/>
                       </a:ext>
                     </a:extLst>
                   </p:cNvPr>
@@ -5022,10 +4854,10 @@
             </p:grpSp>
             <p:grpSp>
               <p:nvGrpSpPr>
-                <p:cNvPr id="583" name="Google Shape;13215;p201">
+                <p:cNvPr id="215" name="Google Shape;13215;p201">
                   <a:extLst>
                     <a:ext uri="{FF2B5EF4-FFF2-40B4-BE49-F238E27FC236}">
-                      <a16:creationId xmlns:a16="http://schemas.microsoft.com/office/drawing/2014/main" id="{9CEB7DC6-02DE-4626-94D8-D7E52AFE3B2F}"/>
+                      <a16:creationId xmlns:a16="http://schemas.microsoft.com/office/drawing/2014/main" id="{AEFFBFD2-7567-468E-B03C-1DA2706E3035}"/>
                     </a:ext>
                   </a:extLst>
                 </p:cNvPr>
@@ -5042,10 +4874,10 @@
               </p:grpSpPr>
               <p:sp>
                 <p:nvSpPr>
-                  <p:cNvPr id="584" name="Google Shape;13216;p201">
+                  <p:cNvPr id="216" name="Google Shape;13216;p201">
                     <a:extLst>
                       <a:ext uri="{FF2B5EF4-FFF2-40B4-BE49-F238E27FC236}">
-                        <a16:creationId xmlns:a16="http://schemas.microsoft.com/office/drawing/2014/main" id="{DE259FEC-BC33-416A-A8E0-50984BCD1941}"/>
+                        <a16:creationId xmlns:a16="http://schemas.microsoft.com/office/drawing/2014/main" id="{9D923F4D-349D-4D50-86B8-865E6C067CDA}"/>
                       </a:ext>
                     </a:extLst>
                   </p:cNvPr>
@@ -5104,10 +4936,10 @@
               </p:sp>
               <p:sp>
                 <p:nvSpPr>
-                  <p:cNvPr id="585" name="Google Shape;13217;p201">
+                  <p:cNvPr id="217" name="Google Shape;13217;p201">
                     <a:extLst>
                       <a:ext uri="{FF2B5EF4-FFF2-40B4-BE49-F238E27FC236}">
-                        <a16:creationId xmlns:a16="http://schemas.microsoft.com/office/drawing/2014/main" id="{EEB7E254-2173-4525-95BF-DA561BB14D01}"/>
+                        <a16:creationId xmlns:a16="http://schemas.microsoft.com/office/drawing/2014/main" id="{A069067F-A233-4ACA-86EF-D9432FF9FC7C}"/>
                       </a:ext>
                     </a:extLst>
                   </p:cNvPr>
@@ -5166,10 +4998,10 @@
           </p:grpSp>
           <p:grpSp>
             <p:nvGrpSpPr>
-              <p:cNvPr id="570" name="Google Shape;13218;p201">
+              <p:cNvPr id="202" name="Google Shape;13218;p201">
                 <a:extLst>
                   <a:ext uri="{FF2B5EF4-FFF2-40B4-BE49-F238E27FC236}">
-                    <a16:creationId xmlns:a16="http://schemas.microsoft.com/office/drawing/2014/main" id="{03956419-A583-4326-88C5-23023E4ED5FE}"/>
+                    <a16:creationId xmlns:a16="http://schemas.microsoft.com/office/drawing/2014/main" id="{F7805496-F94E-4C4E-9463-18CA927B7EC7}"/>
                   </a:ext>
                 </a:extLst>
               </p:cNvPr>
@@ -5186,10 +5018,10 @@
             </p:grpSpPr>
             <p:grpSp>
               <p:nvGrpSpPr>
-                <p:cNvPr id="571" name="Google Shape;13219;p201">
+                <p:cNvPr id="203" name="Google Shape;13219;p201">
                   <a:extLst>
                     <a:ext uri="{FF2B5EF4-FFF2-40B4-BE49-F238E27FC236}">
-                      <a16:creationId xmlns:a16="http://schemas.microsoft.com/office/drawing/2014/main" id="{8F62E904-CFCC-4A14-9671-78085D8F6C3F}"/>
+                      <a16:creationId xmlns:a16="http://schemas.microsoft.com/office/drawing/2014/main" id="{C24A8F30-DF3C-413B-B314-D1767D8C996A}"/>
                     </a:ext>
                   </a:extLst>
                 </p:cNvPr>
@@ -5206,10 +5038,10 @@
               </p:grpSpPr>
               <p:sp>
                 <p:nvSpPr>
-                  <p:cNvPr id="579" name="Google Shape;13220;p201">
+                  <p:cNvPr id="211" name="Google Shape;13220;p201">
                     <a:extLst>
                       <a:ext uri="{FF2B5EF4-FFF2-40B4-BE49-F238E27FC236}">
-                        <a16:creationId xmlns:a16="http://schemas.microsoft.com/office/drawing/2014/main" id="{DF438964-D63C-47F1-8554-85D303A1F386}"/>
+                        <a16:creationId xmlns:a16="http://schemas.microsoft.com/office/drawing/2014/main" id="{228BA3D6-6C71-466A-A344-A3F13D3C3105}"/>
                       </a:ext>
                     </a:extLst>
                   </p:cNvPr>
@@ -5266,10 +5098,10 @@
               </p:sp>
               <p:sp>
                 <p:nvSpPr>
-                  <p:cNvPr id="580" name="Google Shape;13221;p201">
+                  <p:cNvPr id="212" name="Google Shape;13221;p201">
                     <a:extLst>
                       <a:ext uri="{FF2B5EF4-FFF2-40B4-BE49-F238E27FC236}">
-                        <a16:creationId xmlns:a16="http://schemas.microsoft.com/office/drawing/2014/main" id="{8749A17F-8F33-49EB-8DB4-78AF30E14A94}"/>
+                        <a16:creationId xmlns:a16="http://schemas.microsoft.com/office/drawing/2014/main" id="{F8B587AA-3681-4A5B-AE70-77A1561CA943}"/>
                       </a:ext>
                     </a:extLst>
                   </p:cNvPr>
@@ -5329,10 +5161,10 @@
             </p:grpSp>
             <p:grpSp>
               <p:nvGrpSpPr>
-                <p:cNvPr id="572" name="Google Shape;13222;p201">
+                <p:cNvPr id="204" name="Google Shape;13222;p201">
                   <a:extLst>
                     <a:ext uri="{FF2B5EF4-FFF2-40B4-BE49-F238E27FC236}">
-                      <a16:creationId xmlns:a16="http://schemas.microsoft.com/office/drawing/2014/main" id="{8294FB62-8722-44DA-95DE-D7FB7F627437}"/>
+                      <a16:creationId xmlns:a16="http://schemas.microsoft.com/office/drawing/2014/main" id="{572DC19F-3406-42A5-8221-4A44DBEE974E}"/>
                     </a:ext>
                   </a:extLst>
                 </p:cNvPr>
@@ -5349,10 +5181,10 @@
               </p:grpSpPr>
               <p:sp>
                 <p:nvSpPr>
-                  <p:cNvPr id="576" name="Google Shape;13223;p201">
+                  <p:cNvPr id="208" name="Google Shape;13223;p201">
                     <a:extLst>
                       <a:ext uri="{FF2B5EF4-FFF2-40B4-BE49-F238E27FC236}">
-                        <a16:creationId xmlns:a16="http://schemas.microsoft.com/office/drawing/2014/main" id="{EF55CFD0-4391-4E3C-B836-AD86E4BB0D0E}"/>
+                        <a16:creationId xmlns:a16="http://schemas.microsoft.com/office/drawing/2014/main" id="{1EEF7884-76B6-4354-8FA9-326AE637D033}"/>
                       </a:ext>
                     </a:extLst>
                   </p:cNvPr>
@@ -5409,10 +5241,10 @@
               </p:sp>
               <p:sp>
                 <p:nvSpPr>
-                  <p:cNvPr id="577" name="Google Shape;13224;p201">
+                  <p:cNvPr id="209" name="Google Shape;13224;p201">
                     <a:extLst>
                       <a:ext uri="{FF2B5EF4-FFF2-40B4-BE49-F238E27FC236}">
-                        <a16:creationId xmlns:a16="http://schemas.microsoft.com/office/drawing/2014/main" id="{9D964F92-396F-4D7D-98BB-068984494B09}"/>
+                        <a16:creationId xmlns:a16="http://schemas.microsoft.com/office/drawing/2014/main" id="{6E136B0F-61C5-45D8-810F-3E6F1F4F58B3}"/>
                       </a:ext>
                     </a:extLst>
                   </p:cNvPr>
@@ -5471,10 +5303,10 @@
               </p:sp>
               <p:sp>
                 <p:nvSpPr>
-                  <p:cNvPr id="578" name="Google Shape;13225;p201">
+                  <p:cNvPr id="210" name="Google Shape;13225;p201">
                     <a:extLst>
                       <a:ext uri="{FF2B5EF4-FFF2-40B4-BE49-F238E27FC236}">
-                        <a16:creationId xmlns:a16="http://schemas.microsoft.com/office/drawing/2014/main" id="{1FD80722-803B-469E-9BE4-2767020190B3}"/>
+                        <a16:creationId xmlns:a16="http://schemas.microsoft.com/office/drawing/2014/main" id="{C769F91D-5EEE-4068-9D10-2F6ED1A94CC6}"/>
                       </a:ext>
                     </a:extLst>
                   </p:cNvPr>
@@ -5535,10 +5367,10 @@
             </p:grpSp>
             <p:grpSp>
               <p:nvGrpSpPr>
-                <p:cNvPr id="573" name="Google Shape;13226;p201">
+                <p:cNvPr id="205" name="Google Shape;13226;p201">
                   <a:extLst>
                     <a:ext uri="{FF2B5EF4-FFF2-40B4-BE49-F238E27FC236}">
-                      <a16:creationId xmlns:a16="http://schemas.microsoft.com/office/drawing/2014/main" id="{6B3C1FA1-DFF8-414D-8742-075EBE0A2492}"/>
+                      <a16:creationId xmlns:a16="http://schemas.microsoft.com/office/drawing/2014/main" id="{497C9D6F-699A-4BA3-B661-C13BE000753E}"/>
                     </a:ext>
                   </a:extLst>
                 </p:cNvPr>
@@ -5555,10 +5387,10 @@
               </p:grpSpPr>
               <p:sp>
                 <p:nvSpPr>
-                  <p:cNvPr id="574" name="Google Shape;13227;p201">
+                  <p:cNvPr id="206" name="Google Shape;13227;p201">
                     <a:extLst>
                       <a:ext uri="{FF2B5EF4-FFF2-40B4-BE49-F238E27FC236}">
-                        <a16:creationId xmlns:a16="http://schemas.microsoft.com/office/drawing/2014/main" id="{A335F6DF-F750-4F19-AB6C-4E9D0C4743EF}"/>
+                        <a16:creationId xmlns:a16="http://schemas.microsoft.com/office/drawing/2014/main" id="{174FCC04-240B-4DA8-9E0B-C679E0349ADC}"/>
                       </a:ext>
                     </a:extLst>
                   </p:cNvPr>
@@ -5617,10 +5449,10 @@
               </p:sp>
               <p:sp>
                 <p:nvSpPr>
-                  <p:cNvPr id="575" name="Google Shape;13228;p201">
+                  <p:cNvPr id="207" name="Google Shape;13228;p201">
                     <a:extLst>
                       <a:ext uri="{FF2B5EF4-FFF2-40B4-BE49-F238E27FC236}">
-                        <a16:creationId xmlns:a16="http://schemas.microsoft.com/office/drawing/2014/main" id="{E99D511E-0FFF-4E4C-A121-C4249DEE8D59}"/>
+                        <a16:creationId xmlns:a16="http://schemas.microsoft.com/office/drawing/2014/main" id="{A06570B1-74C6-4BB2-AD7B-93977BFCE42B}"/>
                       </a:ext>
                     </a:extLst>
                   </p:cNvPr>
@@ -5680,10 +5512,10 @@
         </p:grpSp>
         <p:grpSp>
           <p:nvGrpSpPr>
-            <p:cNvPr id="500" name="Google Shape;13229;p201">
+            <p:cNvPr id="132" name="Google Shape;13229;p201">
               <a:extLst>
                 <a:ext uri="{FF2B5EF4-FFF2-40B4-BE49-F238E27FC236}">
-                  <a16:creationId xmlns:a16="http://schemas.microsoft.com/office/drawing/2014/main" id="{969D3123-F0C5-479B-B629-8823A2275FA6}"/>
+                  <a16:creationId xmlns:a16="http://schemas.microsoft.com/office/drawing/2014/main" id="{DCB9D92D-756F-45D9-A83F-20816AE70D75}"/>
                 </a:ext>
               </a:extLst>
             </p:cNvPr>
@@ -5700,10 +5532,10 @@
           </p:grpSpPr>
           <p:grpSp>
             <p:nvGrpSpPr>
-              <p:cNvPr id="535" name="Google Shape;13230;p201">
+              <p:cNvPr id="167" name="Google Shape;13230;p201">
                 <a:extLst>
                   <a:ext uri="{FF2B5EF4-FFF2-40B4-BE49-F238E27FC236}">
-                    <a16:creationId xmlns:a16="http://schemas.microsoft.com/office/drawing/2014/main" id="{81566C5C-2BF3-4EA5-8FBB-0FAC541A2516}"/>
+                    <a16:creationId xmlns:a16="http://schemas.microsoft.com/office/drawing/2014/main" id="{CC1A904C-7E2E-4F0B-A0C5-90EDBB4E6A89}"/>
                   </a:ext>
                 </a:extLst>
               </p:cNvPr>
@@ -5720,10 +5552,10 @@
             </p:grpSpPr>
             <p:grpSp>
               <p:nvGrpSpPr>
-                <p:cNvPr id="558" name="Google Shape;13231;p201">
+                <p:cNvPr id="190" name="Google Shape;13231;p201">
                   <a:extLst>
                     <a:ext uri="{FF2B5EF4-FFF2-40B4-BE49-F238E27FC236}">
-                      <a16:creationId xmlns:a16="http://schemas.microsoft.com/office/drawing/2014/main" id="{09BFC63C-3BE6-4A43-9F46-087DD1CA6A77}"/>
+                      <a16:creationId xmlns:a16="http://schemas.microsoft.com/office/drawing/2014/main" id="{A06BC537-9953-43A3-8712-E14F1F1DEBB0}"/>
                     </a:ext>
                   </a:extLst>
                 </p:cNvPr>
@@ -5740,10 +5572,10 @@
               </p:grpSpPr>
               <p:sp>
                 <p:nvSpPr>
-                  <p:cNvPr id="566" name="Google Shape;13232;p201">
+                  <p:cNvPr id="198" name="Google Shape;13232;p201">
                     <a:extLst>
                       <a:ext uri="{FF2B5EF4-FFF2-40B4-BE49-F238E27FC236}">
-                        <a16:creationId xmlns:a16="http://schemas.microsoft.com/office/drawing/2014/main" id="{41C4C6B4-773C-4ACD-B4B0-49CDC36020CB}"/>
+                        <a16:creationId xmlns:a16="http://schemas.microsoft.com/office/drawing/2014/main" id="{684C593C-B03F-451E-9B35-C79EDF597B63}"/>
                       </a:ext>
                     </a:extLst>
                   </p:cNvPr>
@@ -5800,10 +5632,10 @@
               </p:sp>
               <p:sp>
                 <p:nvSpPr>
-                  <p:cNvPr id="567" name="Google Shape;13233;p201">
+                  <p:cNvPr id="199" name="Google Shape;13233;p201">
                     <a:extLst>
                       <a:ext uri="{FF2B5EF4-FFF2-40B4-BE49-F238E27FC236}">
-                        <a16:creationId xmlns:a16="http://schemas.microsoft.com/office/drawing/2014/main" id="{4C459D2F-3CCF-4660-A20E-2690A731A3B0}"/>
+                        <a16:creationId xmlns:a16="http://schemas.microsoft.com/office/drawing/2014/main" id="{1781CBB9-2195-477E-98BB-EAF33DE739AB}"/>
                       </a:ext>
                     </a:extLst>
                   </p:cNvPr>
@@ -5863,10 +5695,10 @@
             </p:grpSp>
             <p:grpSp>
               <p:nvGrpSpPr>
-                <p:cNvPr id="559" name="Google Shape;13234;p201">
+                <p:cNvPr id="191" name="Google Shape;13234;p201">
                   <a:extLst>
                     <a:ext uri="{FF2B5EF4-FFF2-40B4-BE49-F238E27FC236}">
-                      <a16:creationId xmlns:a16="http://schemas.microsoft.com/office/drawing/2014/main" id="{F3973D3A-E4A6-49CD-A80A-DD3319A6801B}"/>
+                      <a16:creationId xmlns:a16="http://schemas.microsoft.com/office/drawing/2014/main" id="{E130FA87-CFC8-4CD3-A890-D28788EC1702}"/>
                     </a:ext>
                   </a:extLst>
                 </p:cNvPr>
@@ -5883,10 +5715,10 @@
               </p:grpSpPr>
               <p:sp>
                 <p:nvSpPr>
-                  <p:cNvPr id="563" name="Google Shape;13235;p201">
+                  <p:cNvPr id="195" name="Google Shape;13235;p201">
                     <a:extLst>
                       <a:ext uri="{FF2B5EF4-FFF2-40B4-BE49-F238E27FC236}">
-                        <a16:creationId xmlns:a16="http://schemas.microsoft.com/office/drawing/2014/main" id="{D4A967FD-D402-4953-9DD2-2890BA79C3A0}"/>
+                        <a16:creationId xmlns:a16="http://schemas.microsoft.com/office/drawing/2014/main" id="{4BB9971B-28D7-49AD-9BF4-E3B01BF700B0}"/>
                       </a:ext>
                     </a:extLst>
                   </p:cNvPr>
@@ -5943,10 +5775,10 @@
               </p:sp>
               <p:sp>
                 <p:nvSpPr>
-                  <p:cNvPr id="564" name="Google Shape;13236;p201">
+                  <p:cNvPr id="196" name="Google Shape;13236;p201">
                     <a:extLst>
                       <a:ext uri="{FF2B5EF4-FFF2-40B4-BE49-F238E27FC236}">
-                        <a16:creationId xmlns:a16="http://schemas.microsoft.com/office/drawing/2014/main" id="{77031568-53CD-405E-B6DD-9CD1EAFB0AD1}"/>
+                        <a16:creationId xmlns:a16="http://schemas.microsoft.com/office/drawing/2014/main" id="{B90769A6-6C37-419C-859E-6A92D3C03C2F}"/>
                       </a:ext>
                     </a:extLst>
                   </p:cNvPr>
@@ -6005,10 +5837,10 @@
               </p:sp>
               <p:sp>
                 <p:nvSpPr>
-                  <p:cNvPr id="565" name="Google Shape;13237;p201">
+                  <p:cNvPr id="197" name="Google Shape;13237;p201">
                     <a:extLst>
                       <a:ext uri="{FF2B5EF4-FFF2-40B4-BE49-F238E27FC236}">
-                        <a16:creationId xmlns:a16="http://schemas.microsoft.com/office/drawing/2014/main" id="{6D4F814A-7F08-44BC-B2DE-A4CDBFE78261}"/>
+                        <a16:creationId xmlns:a16="http://schemas.microsoft.com/office/drawing/2014/main" id="{7FE5E746-DBAE-45C9-91DC-843A8252E828}"/>
                       </a:ext>
                     </a:extLst>
                   </p:cNvPr>
@@ -6069,10 +5901,10 @@
             </p:grpSp>
             <p:grpSp>
               <p:nvGrpSpPr>
-                <p:cNvPr id="560" name="Google Shape;13238;p201">
+                <p:cNvPr id="192" name="Google Shape;13238;p201">
                   <a:extLst>
                     <a:ext uri="{FF2B5EF4-FFF2-40B4-BE49-F238E27FC236}">
-                      <a16:creationId xmlns:a16="http://schemas.microsoft.com/office/drawing/2014/main" id="{A4E33E86-2B22-478A-BB01-06E8E8DA7DEE}"/>
+                      <a16:creationId xmlns:a16="http://schemas.microsoft.com/office/drawing/2014/main" id="{8C370B03-BC09-4E1D-9585-063F1ACACFA1}"/>
                     </a:ext>
                   </a:extLst>
                 </p:cNvPr>
@@ -6089,10 +5921,10 @@
               </p:grpSpPr>
               <p:sp>
                 <p:nvSpPr>
-                  <p:cNvPr id="561" name="Google Shape;13239;p201">
+                  <p:cNvPr id="193" name="Google Shape;13239;p201">
                     <a:extLst>
                       <a:ext uri="{FF2B5EF4-FFF2-40B4-BE49-F238E27FC236}">
-                        <a16:creationId xmlns:a16="http://schemas.microsoft.com/office/drawing/2014/main" id="{62280913-07E1-4289-B6CB-9A5EC63C58C6}"/>
+                        <a16:creationId xmlns:a16="http://schemas.microsoft.com/office/drawing/2014/main" id="{260F9F90-8EEB-4C70-9A61-944B4B0C45F9}"/>
                       </a:ext>
                     </a:extLst>
                   </p:cNvPr>
@@ -6151,10 +5983,10 @@
               </p:sp>
               <p:sp>
                 <p:nvSpPr>
-                  <p:cNvPr id="562" name="Google Shape;13240;p201">
+                  <p:cNvPr id="194" name="Google Shape;13240;p201">
                     <a:extLst>
                       <a:ext uri="{FF2B5EF4-FFF2-40B4-BE49-F238E27FC236}">
-                        <a16:creationId xmlns:a16="http://schemas.microsoft.com/office/drawing/2014/main" id="{936CAFBB-64B5-437C-A2D9-03D904E7575E}"/>
+                        <a16:creationId xmlns:a16="http://schemas.microsoft.com/office/drawing/2014/main" id="{6A815953-2A47-40F7-8CD3-FEFFE837593E}"/>
                       </a:ext>
                     </a:extLst>
                   </p:cNvPr>
@@ -6213,10 +6045,10 @@
           </p:grpSp>
           <p:grpSp>
             <p:nvGrpSpPr>
-              <p:cNvPr id="536" name="Google Shape;13241;p201">
+              <p:cNvPr id="168" name="Google Shape;13241;p201">
                 <a:extLst>
                   <a:ext uri="{FF2B5EF4-FFF2-40B4-BE49-F238E27FC236}">
-                    <a16:creationId xmlns:a16="http://schemas.microsoft.com/office/drawing/2014/main" id="{657B8955-1ED8-4E45-A93C-E643B3CF2CCE}"/>
+                    <a16:creationId xmlns:a16="http://schemas.microsoft.com/office/drawing/2014/main" id="{D7CE3640-7397-4269-AC2B-799BD23F6E01}"/>
                   </a:ext>
                 </a:extLst>
               </p:cNvPr>
@@ -6233,10 +6065,10 @@
             </p:grpSpPr>
             <p:grpSp>
               <p:nvGrpSpPr>
-                <p:cNvPr id="548" name="Google Shape;13242;p201">
+                <p:cNvPr id="180" name="Google Shape;13242;p201">
                   <a:extLst>
                     <a:ext uri="{FF2B5EF4-FFF2-40B4-BE49-F238E27FC236}">
-                      <a16:creationId xmlns:a16="http://schemas.microsoft.com/office/drawing/2014/main" id="{ED5AD01F-2BF7-4516-B049-19A49217735D}"/>
+                      <a16:creationId xmlns:a16="http://schemas.microsoft.com/office/drawing/2014/main" id="{1C1EA5C6-8262-4147-A268-B1A23A1D426B}"/>
                     </a:ext>
                   </a:extLst>
                 </p:cNvPr>
@@ -6253,10 +6085,10 @@
               </p:grpSpPr>
               <p:sp>
                 <p:nvSpPr>
-                  <p:cNvPr id="556" name="Google Shape;13243;p201">
+                  <p:cNvPr id="188" name="Google Shape;13243;p201">
                     <a:extLst>
                       <a:ext uri="{FF2B5EF4-FFF2-40B4-BE49-F238E27FC236}">
-                        <a16:creationId xmlns:a16="http://schemas.microsoft.com/office/drawing/2014/main" id="{33610188-8F8D-41C3-A73B-280034526718}"/>
+                        <a16:creationId xmlns:a16="http://schemas.microsoft.com/office/drawing/2014/main" id="{DE211FA6-FF60-4C83-92FA-E494DDEBBE21}"/>
                       </a:ext>
                     </a:extLst>
                   </p:cNvPr>
@@ -6313,10 +6145,10 @@
               </p:sp>
               <p:sp>
                 <p:nvSpPr>
-                  <p:cNvPr id="557" name="Google Shape;13244;p201">
+                  <p:cNvPr id="189" name="Google Shape;13244;p201">
                     <a:extLst>
                       <a:ext uri="{FF2B5EF4-FFF2-40B4-BE49-F238E27FC236}">
-                        <a16:creationId xmlns:a16="http://schemas.microsoft.com/office/drawing/2014/main" id="{2238C0B1-0C53-4767-8D7B-546B9BB4B91C}"/>
+                        <a16:creationId xmlns:a16="http://schemas.microsoft.com/office/drawing/2014/main" id="{748FED1C-A05D-45AB-9309-86991C00408E}"/>
                       </a:ext>
                     </a:extLst>
                   </p:cNvPr>
@@ -6376,10 +6208,10 @@
             </p:grpSp>
             <p:grpSp>
               <p:nvGrpSpPr>
-                <p:cNvPr id="549" name="Google Shape;13245;p201">
+                <p:cNvPr id="181" name="Google Shape;13245;p201">
                   <a:extLst>
                     <a:ext uri="{FF2B5EF4-FFF2-40B4-BE49-F238E27FC236}">
-                      <a16:creationId xmlns:a16="http://schemas.microsoft.com/office/drawing/2014/main" id="{AE2508E5-0988-45F7-A421-3F05DC020A90}"/>
+                      <a16:creationId xmlns:a16="http://schemas.microsoft.com/office/drawing/2014/main" id="{939E2A16-F129-4F64-AC99-5CAF2BAB5505}"/>
                     </a:ext>
                   </a:extLst>
                 </p:cNvPr>
@@ -6396,10 +6228,10 @@
               </p:grpSpPr>
               <p:sp>
                 <p:nvSpPr>
-                  <p:cNvPr id="553" name="Google Shape;13246;p201">
+                  <p:cNvPr id="185" name="Google Shape;13246;p201">
                     <a:extLst>
                       <a:ext uri="{FF2B5EF4-FFF2-40B4-BE49-F238E27FC236}">
-                        <a16:creationId xmlns:a16="http://schemas.microsoft.com/office/drawing/2014/main" id="{6C94AB33-3C9A-4139-956E-58E70AA262E7}"/>
+                        <a16:creationId xmlns:a16="http://schemas.microsoft.com/office/drawing/2014/main" id="{B329B7A3-C960-4A2F-976F-03112480A526}"/>
                       </a:ext>
                     </a:extLst>
                   </p:cNvPr>
@@ -6456,10 +6288,10 @@
               </p:sp>
               <p:sp>
                 <p:nvSpPr>
-                  <p:cNvPr id="554" name="Google Shape;13247;p201">
+                  <p:cNvPr id="186" name="Google Shape;13247;p201">
                     <a:extLst>
                       <a:ext uri="{FF2B5EF4-FFF2-40B4-BE49-F238E27FC236}">
-                        <a16:creationId xmlns:a16="http://schemas.microsoft.com/office/drawing/2014/main" id="{7FD5060C-5D64-4982-A648-5615EB9F0545}"/>
+                        <a16:creationId xmlns:a16="http://schemas.microsoft.com/office/drawing/2014/main" id="{2E14F00D-CF08-45A7-8D04-D9E14B6D83FA}"/>
                       </a:ext>
                     </a:extLst>
                   </p:cNvPr>
@@ -6518,10 +6350,10 @@
               </p:sp>
               <p:sp>
                 <p:nvSpPr>
-                  <p:cNvPr id="555" name="Google Shape;13248;p201">
+                  <p:cNvPr id="187" name="Google Shape;13248;p201">
                     <a:extLst>
                       <a:ext uri="{FF2B5EF4-FFF2-40B4-BE49-F238E27FC236}">
-                        <a16:creationId xmlns:a16="http://schemas.microsoft.com/office/drawing/2014/main" id="{AAF055E5-9317-47A6-A200-1B2E25C4F027}"/>
+                        <a16:creationId xmlns:a16="http://schemas.microsoft.com/office/drawing/2014/main" id="{68CEF10D-8FD1-4CDC-A1E5-05B59B51F7CD}"/>
                       </a:ext>
                     </a:extLst>
                   </p:cNvPr>
@@ -6582,10 +6414,10 @@
             </p:grpSp>
             <p:grpSp>
               <p:nvGrpSpPr>
-                <p:cNvPr id="550" name="Google Shape;13249;p201">
+                <p:cNvPr id="182" name="Google Shape;13249;p201">
                   <a:extLst>
                     <a:ext uri="{FF2B5EF4-FFF2-40B4-BE49-F238E27FC236}">
-                      <a16:creationId xmlns:a16="http://schemas.microsoft.com/office/drawing/2014/main" id="{C829DB8C-1F1C-43E5-9802-9A9F5D051D12}"/>
+                      <a16:creationId xmlns:a16="http://schemas.microsoft.com/office/drawing/2014/main" id="{6D9B72E1-9F04-4F0A-8DEB-D04148CB70EA}"/>
                     </a:ext>
                   </a:extLst>
                 </p:cNvPr>
@@ -6602,10 +6434,10 @@
               </p:grpSpPr>
               <p:sp>
                 <p:nvSpPr>
-                  <p:cNvPr id="551" name="Google Shape;13250;p201">
+                  <p:cNvPr id="183" name="Google Shape;13250;p201">
                     <a:extLst>
                       <a:ext uri="{FF2B5EF4-FFF2-40B4-BE49-F238E27FC236}">
-                        <a16:creationId xmlns:a16="http://schemas.microsoft.com/office/drawing/2014/main" id="{98D37973-401E-4372-A7E0-9CA35D4C43A6}"/>
+                        <a16:creationId xmlns:a16="http://schemas.microsoft.com/office/drawing/2014/main" id="{A13A29FF-7254-45BE-BC27-C9CD5ED8D2C9}"/>
                       </a:ext>
                     </a:extLst>
                   </p:cNvPr>
@@ -6664,10 +6496,10 @@
               </p:sp>
               <p:sp>
                 <p:nvSpPr>
-                  <p:cNvPr id="552" name="Google Shape;13251;p201">
+                  <p:cNvPr id="184" name="Google Shape;13251;p201">
                     <a:extLst>
                       <a:ext uri="{FF2B5EF4-FFF2-40B4-BE49-F238E27FC236}">
-                        <a16:creationId xmlns:a16="http://schemas.microsoft.com/office/drawing/2014/main" id="{CCFA66E9-6230-4710-8F8A-D227AF1496DC}"/>
+                        <a16:creationId xmlns:a16="http://schemas.microsoft.com/office/drawing/2014/main" id="{49760C3B-C331-4FC3-B05C-40CECA0CD43C}"/>
                       </a:ext>
                     </a:extLst>
                   </p:cNvPr>
@@ -6726,10 +6558,10 @@
           </p:grpSp>
           <p:grpSp>
             <p:nvGrpSpPr>
-              <p:cNvPr id="537" name="Google Shape;13252;p201">
+              <p:cNvPr id="169" name="Google Shape;13252;p201">
                 <a:extLst>
                   <a:ext uri="{FF2B5EF4-FFF2-40B4-BE49-F238E27FC236}">
-                    <a16:creationId xmlns:a16="http://schemas.microsoft.com/office/drawing/2014/main" id="{E7D0CEF3-A6A9-4094-887F-BF65DC6452E6}"/>
+                    <a16:creationId xmlns:a16="http://schemas.microsoft.com/office/drawing/2014/main" id="{5E8B4991-E5F0-46E2-8D42-3CD43247BC28}"/>
                   </a:ext>
                 </a:extLst>
               </p:cNvPr>
@@ -6746,10 +6578,10 @@
             </p:grpSpPr>
             <p:grpSp>
               <p:nvGrpSpPr>
-                <p:cNvPr id="538" name="Google Shape;13253;p201">
+                <p:cNvPr id="170" name="Google Shape;13253;p201">
                   <a:extLst>
                     <a:ext uri="{FF2B5EF4-FFF2-40B4-BE49-F238E27FC236}">
-                      <a16:creationId xmlns:a16="http://schemas.microsoft.com/office/drawing/2014/main" id="{35353616-9EF2-4DE2-AE62-CA2EBD1EC7D3}"/>
+                      <a16:creationId xmlns:a16="http://schemas.microsoft.com/office/drawing/2014/main" id="{6FF6C202-68D9-4A56-88C3-B921F6E08F31}"/>
                     </a:ext>
                   </a:extLst>
                 </p:cNvPr>
@@ -6766,10 +6598,10 @@
               </p:grpSpPr>
               <p:sp>
                 <p:nvSpPr>
-                  <p:cNvPr id="546" name="Google Shape;13254;p201">
+                  <p:cNvPr id="178" name="Google Shape;13254;p201">
                     <a:extLst>
                       <a:ext uri="{FF2B5EF4-FFF2-40B4-BE49-F238E27FC236}">
-                        <a16:creationId xmlns:a16="http://schemas.microsoft.com/office/drawing/2014/main" id="{966EEB1C-6553-45CD-AC35-0E16C0ADF070}"/>
+                        <a16:creationId xmlns:a16="http://schemas.microsoft.com/office/drawing/2014/main" id="{CC312A48-C090-48E4-A421-9AA3B0D3F2DD}"/>
                       </a:ext>
                     </a:extLst>
                   </p:cNvPr>
@@ -6826,10 +6658,10 @@
               </p:sp>
               <p:sp>
                 <p:nvSpPr>
-                  <p:cNvPr id="547" name="Google Shape;13255;p201">
+                  <p:cNvPr id="179" name="Google Shape;13255;p201">
                     <a:extLst>
                       <a:ext uri="{FF2B5EF4-FFF2-40B4-BE49-F238E27FC236}">
-                        <a16:creationId xmlns:a16="http://schemas.microsoft.com/office/drawing/2014/main" id="{262F2BD4-83D4-4C02-921C-30ADE5A57DBE}"/>
+                        <a16:creationId xmlns:a16="http://schemas.microsoft.com/office/drawing/2014/main" id="{9179F7FC-D93C-4CA7-8C3A-0993AED827C9}"/>
                       </a:ext>
                     </a:extLst>
                   </p:cNvPr>
@@ -6889,10 +6721,10 @@
             </p:grpSp>
             <p:grpSp>
               <p:nvGrpSpPr>
-                <p:cNvPr id="539" name="Google Shape;13256;p201">
+                <p:cNvPr id="171" name="Google Shape;13256;p201">
                   <a:extLst>
                     <a:ext uri="{FF2B5EF4-FFF2-40B4-BE49-F238E27FC236}">
-                      <a16:creationId xmlns:a16="http://schemas.microsoft.com/office/drawing/2014/main" id="{57EE74FE-E6F6-4E59-82E8-2E949B24FEA1}"/>
+                      <a16:creationId xmlns:a16="http://schemas.microsoft.com/office/drawing/2014/main" id="{900D54FD-FF7C-4BCF-86B1-C7C85B793389}"/>
                     </a:ext>
                   </a:extLst>
                 </p:cNvPr>
@@ -6909,10 +6741,10 @@
               </p:grpSpPr>
               <p:sp>
                 <p:nvSpPr>
-                  <p:cNvPr id="543" name="Google Shape;13257;p201">
+                  <p:cNvPr id="175" name="Google Shape;13257;p201">
                     <a:extLst>
                       <a:ext uri="{FF2B5EF4-FFF2-40B4-BE49-F238E27FC236}">
-                        <a16:creationId xmlns:a16="http://schemas.microsoft.com/office/drawing/2014/main" id="{B4CE2834-4635-4031-9AE5-B0665153C1B5}"/>
+                        <a16:creationId xmlns:a16="http://schemas.microsoft.com/office/drawing/2014/main" id="{FAB5F762-C1AE-4324-ADCD-ADAEB3099A54}"/>
                       </a:ext>
                     </a:extLst>
                   </p:cNvPr>
@@ -6969,10 +6801,10 @@
               </p:sp>
               <p:sp>
                 <p:nvSpPr>
-                  <p:cNvPr id="544" name="Google Shape;13258;p201">
+                  <p:cNvPr id="176" name="Google Shape;13258;p201">
                     <a:extLst>
                       <a:ext uri="{FF2B5EF4-FFF2-40B4-BE49-F238E27FC236}">
-                        <a16:creationId xmlns:a16="http://schemas.microsoft.com/office/drawing/2014/main" id="{49B3CCC1-3446-4C3A-8EEA-F00167D28167}"/>
+                        <a16:creationId xmlns:a16="http://schemas.microsoft.com/office/drawing/2014/main" id="{73A9CEED-99F3-429D-9300-0C659EF1EC18}"/>
                       </a:ext>
                     </a:extLst>
                   </p:cNvPr>
@@ -7031,10 +6863,10 @@
               </p:sp>
               <p:sp>
                 <p:nvSpPr>
-                  <p:cNvPr id="545" name="Google Shape;13259;p201">
+                  <p:cNvPr id="177" name="Google Shape;13259;p201">
                     <a:extLst>
                       <a:ext uri="{FF2B5EF4-FFF2-40B4-BE49-F238E27FC236}">
-                        <a16:creationId xmlns:a16="http://schemas.microsoft.com/office/drawing/2014/main" id="{E2C3518F-E0FA-4CAB-956C-D43DCB827601}"/>
+                        <a16:creationId xmlns:a16="http://schemas.microsoft.com/office/drawing/2014/main" id="{9C76C6C9-5DD2-4E95-8033-DCD47B2B0A2D}"/>
                       </a:ext>
                     </a:extLst>
                   </p:cNvPr>
@@ -7095,10 +6927,10 @@
             </p:grpSp>
             <p:grpSp>
               <p:nvGrpSpPr>
-                <p:cNvPr id="540" name="Google Shape;13260;p201">
+                <p:cNvPr id="172" name="Google Shape;13260;p201">
                   <a:extLst>
                     <a:ext uri="{FF2B5EF4-FFF2-40B4-BE49-F238E27FC236}">
-                      <a16:creationId xmlns:a16="http://schemas.microsoft.com/office/drawing/2014/main" id="{B2B910E2-7F83-4292-8FEA-1F070C00691E}"/>
+                      <a16:creationId xmlns:a16="http://schemas.microsoft.com/office/drawing/2014/main" id="{04F69791-6CE7-4CCA-BFDF-A2B4038D82BA}"/>
                     </a:ext>
                   </a:extLst>
                 </p:cNvPr>
@@ -7115,10 +6947,10 @@
               </p:grpSpPr>
               <p:sp>
                 <p:nvSpPr>
-                  <p:cNvPr id="541" name="Google Shape;13261;p201">
+                  <p:cNvPr id="173" name="Google Shape;13261;p201">
                     <a:extLst>
                       <a:ext uri="{FF2B5EF4-FFF2-40B4-BE49-F238E27FC236}">
-                        <a16:creationId xmlns:a16="http://schemas.microsoft.com/office/drawing/2014/main" id="{CC86407D-29B8-4745-A581-CBB1374D9A1C}"/>
+                        <a16:creationId xmlns:a16="http://schemas.microsoft.com/office/drawing/2014/main" id="{61AC2259-7481-4090-8B57-716668C4ABCA}"/>
                       </a:ext>
                     </a:extLst>
                   </p:cNvPr>
@@ -7177,10 +7009,10 @@
               </p:sp>
               <p:sp>
                 <p:nvSpPr>
-                  <p:cNvPr id="542" name="Google Shape;13262;p201">
+                  <p:cNvPr id="174" name="Google Shape;13262;p201">
                     <a:extLst>
                       <a:ext uri="{FF2B5EF4-FFF2-40B4-BE49-F238E27FC236}">
-                        <a16:creationId xmlns:a16="http://schemas.microsoft.com/office/drawing/2014/main" id="{680C777B-ABC5-44E8-9081-1D72B6FE793E}"/>
+                        <a16:creationId xmlns:a16="http://schemas.microsoft.com/office/drawing/2014/main" id="{D002CDC7-3EAE-47EF-A271-C39B7AE8DC56}"/>
                       </a:ext>
                     </a:extLst>
                   </p:cNvPr>
@@ -7240,10 +7072,10 @@
         </p:grpSp>
         <p:grpSp>
           <p:nvGrpSpPr>
-            <p:cNvPr id="501" name="Google Shape;13263;p201">
+            <p:cNvPr id="133" name="Google Shape;13263;p201">
               <a:extLst>
                 <a:ext uri="{FF2B5EF4-FFF2-40B4-BE49-F238E27FC236}">
-                  <a16:creationId xmlns:a16="http://schemas.microsoft.com/office/drawing/2014/main" id="{87CF428F-6034-421D-9623-43BB36D3ED87}"/>
+                  <a16:creationId xmlns:a16="http://schemas.microsoft.com/office/drawing/2014/main" id="{FDC5995C-D6A0-4BDE-846A-63FF23B91468}"/>
                 </a:ext>
               </a:extLst>
             </p:cNvPr>
@@ -7260,10 +7092,10 @@
           </p:grpSpPr>
           <p:grpSp>
             <p:nvGrpSpPr>
-              <p:cNvPr id="502" name="Google Shape;13264;p201">
+              <p:cNvPr id="134" name="Google Shape;13264;p201">
                 <a:extLst>
                   <a:ext uri="{FF2B5EF4-FFF2-40B4-BE49-F238E27FC236}">
-                    <a16:creationId xmlns:a16="http://schemas.microsoft.com/office/drawing/2014/main" id="{138CB18F-67BF-43C4-8923-72F6C4F5FC46}"/>
+                    <a16:creationId xmlns:a16="http://schemas.microsoft.com/office/drawing/2014/main" id="{6B0DF732-A173-4FA5-B9E7-B96AEEDBEC56}"/>
                   </a:ext>
                 </a:extLst>
               </p:cNvPr>
@@ -7280,10 +7112,10 @@
             </p:grpSpPr>
             <p:grpSp>
               <p:nvGrpSpPr>
-                <p:cNvPr id="525" name="Google Shape;13265;p201">
+                <p:cNvPr id="157" name="Google Shape;13265;p201">
                   <a:extLst>
                     <a:ext uri="{FF2B5EF4-FFF2-40B4-BE49-F238E27FC236}">
-                      <a16:creationId xmlns:a16="http://schemas.microsoft.com/office/drawing/2014/main" id="{D88827A9-82D5-4B65-BC7F-5E3A05842284}"/>
+                      <a16:creationId xmlns:a16="http://schemas.microsoft.com/office/drawing/2014/main" id="{E5277D3E-F16B-4FC7-A23C-7A1B400393AD}"/>
                     </a:ext>
                   </a:extLst>
                 </p:cNvPr>
@@ -7300,10 +7132,10 @@
               </p:grpSpPr>
               <p:sp>
                 <p:nvSpPr>
-                  <p:cNvPr id="533" name="Google Shape;13266;p201">
+                  <p:cNvPr id="165" name="Google Shape;13266;p201">
                     <a:extLst>
                       <a:ext uri="{FF2B5EF4-FFF2-40B4-BE49-F238E27FC236}">
-                        <a16:creationId xmlns:a16="http://schemas.microsoft.com/office/drawing/2014/main" id="{2602E667-B0B1-4977-A344-C86D26D32949}"/>
+                        <a16:creationId xmlns:a16="http://schemas.microsoft.com/office/drawing/2014/main" id="{F38E00AF-CB5D-4200-AB4E-C209F434481F}"/>
                       </a:ext>
                     </a:extLst>
                   </p:cNvPr>
@@ -7360,10 +7192,10 @@
               </p:sp>
               <p:sp>
                 <p:nvSpPr>
-                  <p:cNvPr id="534" name="Google Shape;13267;p201">
+                  <p:cNvPr id="166" name="Google Shape;13267;p201">
                     <a:extLst>
                       <a:ext uri="{FF2B5EF4-FFF2-40B4-BE49-F238E27FC236}">
-                        <a16:creationId xmlns:a16="http://schemas.microsoft.com/office/drawing/2014/main" id="{03AACD9B-914C-4DCA-96AB-0B53250E2F10}"/>
+                        <a16:creationId xmlns:a16="http://schemas.microsoft.com/office/drawing/2014/main" id="{DFCF73F5-5338-4431-BF85-D8093DE000DB}"/>
                       </a:ext>
                     </a:extLst>
                   </p:cNvPr>
@@ -7423,10 +7255,10 @@
             </p:grpSp>
             <p:grpSp>
               <p:nvGrpSpPr>
-                <p:cNvPr id="526" name="Google Shape;13268;p201">
+                <p:cNvPr id="158" name="Google Shape;13268;p201">
                   <a:extLst>
                     <a:ext uri="{FF2B5EF4-FFF2-40B4-BE49-F238E27FC236}">
-                      <a16:creationId xmlns:a16="http://schemas.microsoft.com/office/drawing/2014/main" id="{BE157689-652D-4CF9-A510-C1B06FC47543}"/>
+                      <a16:creationId xmlns:a16="http://schemas.microsoft.com/office/drawing/2014/main" id="{55812510-D451-4497-8972-5984FDBE32C1}"/>
                     </a:ext>
                   </a:extLst>
                 </p:cNvPr>
@@ -7443,10 +7275,10 @@
               </p:grpSpPr>
               <p:sp>
                 <p:nvSpPr>
-                  <p:cNvPr id="530" name="Google Shape;13269;p201">
+                  <p:cNvPr id="162" name="Google Shape;13269;p201">
                     <a:extLst>
                       <a:ext uri="{FF2B5EF4-FFF2-40B4-BE49-F238E27FC236}">
-                        <a16:creationId xmlns:a16="http://schemas.microsoft.com/office/drawing/2014/main" id="{D231ABC3-E456-4848-A6D4-35D11618C4E7}"/>
+                        <a16:creationId xmlns:a16="http://schemas.microsoft.com/office/drawing/2014/main" id="{2CFF15FE-F96B-468A-9952-C7DA3C0342B2}"/>
                       </a:ext>
                     </a:extLst>
                   </p:cNvPr>
@@ -7503,10 +7335,10 @@
               </p:sp>
               <p:sp>
                 <p:nvSpPr>
-                  <p:cNvPr id="531" name="Google Shape;13270;p201">
+                  <p:cNvPr id="163" name="Google Shape;13270;p201">
                     <a:extLst>
                       <a:ext uri="{FF2B5EF4-FFF2-40B4-BE49-F238E27FC236}">
-                        <a16:creationId xmlns:a16="http://schemas.microsoft.com/office/drawing/2014/main" id="{24FFF042-1E01-47DD-AC21-FED21E2C67C4}"/>
+                        <a16:creationId xmlns:a16="http://schemas.microsoft.com/office/drawing/2014/main" id="{8DFCF4FB-8FE7-4D0F-963F-51E5F45A6B3D}"/>
                       </a:ext>
                     </a:extLst>
                   </p:cNvPr>
@@ -7565,10 +7397,10 @@
               </p:sp>
               <p:sp>
                 <p:nvSpPr>
-                  <p:cNvPr id="532" name="Google Shape;13271;p201">
+                  <p:cNvPr id="164" name="Google Shape;13271;p201">
                     <a:extLst>
                       <a:ext uri="{FF2B5EF4-FFF2-40B4-BE49-F238E27FC236}">
-                        <a16:creationId xmlns:a16="http://schemas.microsoft.com/office/drawing/2014/main" id="{E99ED008-FCE2-41C9-9BA0-03DA66C9D175}"/>
+                        <a16:creationId xmlns:a16="http://schemas.microsoft.com/office/drawing/2014/main" id="{A3E53314-0D5D-4F41-8D2D-AC2A4F12979B}"/>
                       </a:ext>
                     </a:extLst>
                   </p:cNvPr>
@@ -7629,10 +7461,10 @@
             </p:grpSp>
             <p:grpSp>
               <p:nvGrpSpPr>
-                <p:cNvPr id="527" name="Google Shape;13272;p201">
+                <p:cNvPr id="159" name="Google Shape;13272;p201">
                   <a:extLst>
                     <a:ext uri="{FF2B5EF4-FFF2-40B4-BE49-F238E27FC236}">
-                      <a16:creationId xmlns:a16="http://schemas.microsoft.com/office/drawing/2014/main" id="{418648D6-5327-4290-9031-7A25CC0F2067}"/>
+                      <a16:creationId xmlns:a16="http://schemas.microsoft.com/office/drawing/2014/main" id="{26E5EF10-A621-47DC-9932-9C0D27513F18}"/>
                     </a:ext>
                   </a:extLst>
                 </p:cNvPr>
@@ -7649,10 +7481,10 @@
               </p:grpSpPr>
               <p:sp>
                 <p:nvSpPr>
-                  <p:cNvPr id="528" name="Google Shape;13273;p201">
+                  <p:cNvPr id="160" name="Google Shape;13273;p201">
                     <a:extLst>
                       <a:ext uri="{FF2B5EF4-FFF2-40B4-BE49-F238E27FC236}">
-                        <a16:creationId xmlns:a16="http://schemas.microsoft.com/office/drawing/2014/main" id="{E345E570-B75D-42AF-BA02-234F447640D4}"/>
+                        <a16:creationId xmlns:a16="http://schemas.microsoft.com/office/drawing/2014/main" id="{C9E39321-5B76-4097-A3D9-608D1E55FB94}"/>
                       </a:ext>
                     </a:extLst>
                   </p:cNvPr>
@@ -7711,10 +7543,10 @@
               </p:sp>
               <p:sp>
                 <p:nvSpPr>
-                  <p:cNvPr id="529" name="Google Shape;13274;p201">
+                  <p:cNvPr id="161" name="Google Shape;13274;p201">
                     <a:extLst>
                       <a:ext uri="{FF2B5EF4-FFF2-40B4-BE49-F238E27FC236}">
-                        <a16:creationId xmlns:a16="http://schemas.microsoft.com/office/drawing/2014/main" id="{60557E9F-CB5C-4551-8278-D402CEE9DB30}"/>
+                        <a16:creationId xmlns:a16="http://schemas.microsoft.com/office/drawing/2014/main" id="{18E83831-72A0-4AA6-B8A1-FE14AF1D94C7}"/>
                       </a:ext>
                     </a:extLst>
                   </p:cNvPr>
@@ -7773,10 +7605,10 @@
           </p:grpSp>
           <p:grpSp>
             <p:nvGrpSpPr>
-              <p:cNvPr id="503" name="Google Shape;13275;p201">
+              <p:cNvPr id="135" name="Google Shape;13275;p201">
                 <a:extLst>
                   <a:ext uri="{FF2B5EF4-FFF2-40B4-BE49-F238E27FC236}">
-                    <a16:creationId xmlns:a16="http://schemas.microsoft.com/office/drawing/2014/main" id="{E11588D0-C3CA-4D92-95AF-CA3145B26554}"/>
+                    <a16:creationId xmlns:a16="http://schemas.microsoft.com/office/drawing/2014/main" id="{9CD5BD2C-0308-4964-A7D2-2A06FC2ADBEC}"/>
                   </a:ext>
                 </a:extLst>
               </p:cNvPr>
@@ -7793,10 +7625,10 @@
             </p:grpSpPr>
             <p:grpSp>
               <p:nvGrpSpPr>
-                <p:cNvPr id="515" name="Google Shape;13276;p201">
+                <p:cNvPr id="147" name="Google Shape;13276;p201">
                   <a:extLst>
                     <a:ext uri="{FF2B5EF4-FFF2-40B4-BE49-F238E27FC236}">
-                      <a16:creationId xmlns:a16="http://schemas.microsoft.com/office/drawing/2014/main" id="{4294B7EB-E8BB-4154-83E3-E1B8C99BFA13}"/>
+                      <a16:creationId xmlns:a16="http://schemas.microsoft.com/office/drawing/2014/main" id="{17565CE6-FCAC-4C64-8936-0A0E4891F528}"/>
                     </a:ext>
                   </a:extLst>
                 </p:cNvPr>
@@ -7813,10 +7645,10 @@
               </p:grpSpPr>
               <p:sp>
                 <p:nvSpPr>
-                  <p:cNvPr id="523" name="Google Shape;13277;p201">
+                  <p:cNvPr id="155" name="Google Shape;13277;p201">
                     <a:extLst>
                       <a:ext uri="{FF2B5EF4-FFF2-40B4-BE49-F238E27FC236}">
-                        <a16:creationId xmlns:a16="http://schemas.microsoft.com/office/drawing/2014/main" id="{BCD272C4-86DC-4C76-9C5B-58E6B65F170E}"/>
+                        <a16:creationId xmlns:a16="http://schemas.microsoft.com/office/drawing/2014/main" id="{84337C05-AE7C-4876-8D09-1F9157361677}"/>
                       </a:ext>
                     </a:extLst>
                   </p:cNvPr>
@@ -7873,10 +7705,10 @@
               </p:sp>
               <p:sp>
                 <p:nvSpPr>
-                  <p:cNvPr id="524" name="Google Shape;13278;p201">
+                  <p:cNvPr id="156" name="Google Shape;13278;p201">
                     <a:extLst>
                       <a:ext uri="{FF2B5EF4-FFF2-40B4-BE49-F238E27FC236}">
-                        <a16:creationId xmlns:a16="http://schemas.microsoft.com/office/drawing/2014/main" id="{6495F352-4BAB-4EA0-94AB-E086D78CACEE}"/>
+                        <a16:creationId xmlns:a16="http://schemas.microsoft.com/office/drawing/2014/main" id="{571722E9-19CD-4033-9178-0A9CFCE24D5D}"/>
                       </a:ext>
                     </a:extLst>
                   </p:cNvPr>
@@ -7936,10 +7768,10 @@
             </p:grpSp>
             <p:grpSp>
               <p:nvGrpSpPr>
-                <p:cNvPr id="516" name="Google Shape;13279;p201">
+                <p:cNvPr id="148" name="Google Shape;13279;p201">
                   <a:extLst>
                     <a:ext uri="{FF2B5EF4-FFF2-40B4-BE49-F238E27FC236}">
-                      <a16:creationId xmlns:a16="http://schemas.microsoft.com/office/drawing/2014/main" id="{77F2D80C-E12C-44C9-8F33-6DA425B629C1}"/>
+                      <a16:creationId xmlns:a16="http://schemas.microsoft.com/office/drawing/2014/main" id="{1B37FFF3-13E2-4C08-BAD9-51596254AD63}"/>
                     </a:ext>
                   </a:extLst>
                 </p:cNvPr>
@@ -7956,10 +7788,10 @@
               </p:grpSpPr>
               <p:sp>
                 <p:nvSpPr>
-                  <p:cNvPr id="520" name="Google Shape;13280;p201">
+                  <p:cNvPr id="152" name="Google Shape;13280;p201">
                     <a:extLst>
                       <a:ext uri="{FF2B5EF4-FFF2-40B4-BE49-F238E27FC236}">
-                        <a16:creationId xmlns:a16="http://schemas.microsoft.com/office/drawing/2014/main" id="{D259424E-046B-442F-944C-2FA670CA1827}"/>
+                        <a16:creationId xmlns:a16="http://schemas.microsoft.com/office/drawing/2014/main" id="{5F12D637-0D28-4320-B5D2-77B32E1F70BA}"/>
                       </a:ext>
                     </a:extLst>
                   </p:cNvPr>
@@ -8016,10 +7848,10 @@
               </p:sp>
               <p:sp>
                 <p:nvSpPr>
-                  <p:cNvPr id="521" name="Google Shape;13281;p201">
+                  <p:cNvPr id="153" name="Google Shape;13281;p201">
                     <a:extLst>
                       <a:ext uri="{FF2B5EF4-FFF2-40B4-BE49-F238E27FC236}">
-                        <a16:creationId xmlns:a16="http://schemas.microsoft.com/office/drawing/2014/main" id="{F0F7920F-7632-4771-B821-8DAD07C4C73F}"/>
+                        <a16:creationId xmlns:a16="http://schemas.microsoft.com/office/drawing/2014/main" id="{0B7D7231-52FA-4FC0-A9C3-F7BCCF5A7C8C}"/>
                       </a:ext>
                     </a:extLst>
                   </p:cNvPr>
@@ -8078,10 +7910,10 @@
               </p:sp>
               <p:sp>
                 <p:nvSpPr>
-                  <p:cNvPr id="522" name="Google Shape;13282;p201">
+                  <p:cNvPr id="154" name="Google Shape;13282;p201">
                     <a:extLst>
                       <a:ext uri="{FF2B5EF4-FFF2-40B4-BE49-F238E27FC236}">
-                        <a16:creationId xmlns:a16="http://schemas.microsoft.com/office/drawing/2014/main" id="{03BBBBF8-F10B-42A7-9B32-977B4E04D0F1}"/>
+                        <a16:creationId xmlns:a16="http://schemas.microsoft.com/office/drawing/2014/main" id="{E9531D4A-BD65-4680-AA55-414F16F50F9E}"/>
                       </a:ext>
                     </a:extLst>
                   </p:cNvPr>
@@ -8142,10 +7974,10 @@
             </p:grpSp>
             <p:grpSp>
               <p:nvGrpSpPr>
-                <p:cNvPr id="517" name="Google Shape;13283;p201">
+                <p:cNvPr id="149" name="Google Shape;13283;p201">
                   <a:extLst>
                     <a:ext uri="{FF2B5EF4-FFF2-40B4-BE49-F238E27FC236}">
-                      <a16:creationId xmlns:a16="http://schemas.microsoft.com/office/drawing/2014/main" id="{4856B1D2-14F5-4002-AAEE-BCF299A6E087}"/>
+                      <a16:creationId xmlns:a16="http://schemas.microsoft.com/office/drawing/2014/main" id="{D5AB6EFE-75B1-48BF-84AA-8E1662684727}"/>
                     </a:ext>
                   </a:extLst>
                 </p:cNvPr>
@@ -8162,10 +7994,10 @@
               </p:grpSpPr>
               <p:sp>
                 <p:nvSpPr>
-                  <p:cNvPr id="518" name="Google Shape;13284;p201">
+                  <p:cNvPr id="150" name="Google Shape;13284;p201">
                     <a:extLst>
                       <a:ext uri="{FF2B5EF4-FFF2-40B4-BE49-F238E27FC236}">
-                        <a16:creationId xmlns:a16="http://schemas.microsoft.com/office/drawing/2014/main" id="{ADCFC9B1-88FA-49FB-AAB5-09910B40428A}"/>
+                        <a16:creationId xmlns:a16="http://schemas.microsoft.com/office/drawing/2014/main" id="{01F32000-F972-472C-8594-F814B44F288B}"/>
                       </a:ext>
                     </a:extLst>
                   </p:cNvPr>
@@ -8224,10 +8056,10 @@
               </p:sp>
               <p:sp>
                 <p:nvSpPr>
-                  <p:cNvPr id="519" name="Google Shape;13285;p201">
+                  <p:cNvPr id="151" name="Google Shape;13285;p201">
                     <a:extLst>
                       <a:ext uri="{FF2B5EF4-FFF2-40B4-BE49-F238E27FC236}">
-                        <a16:creationId xmlns:a16="http://schemas.microsoft.com/office/drawing/2014/main" id="{FBB6ACA0-5130-4F3C-B783-5D5E9012B950}"/>
+                        <a16:creationId xmlns:a16="http://schemas.microsoft.com/office/drawing/2014/main" id="{F13F1B74-F0F5-4A4B-AA70-A43EBA02A267}"/>
                       </a:ext>
                     </a:extLst>
                   </p:cNvPr>
@@ -8286,10 +8118,10 @@
           </p:grpSp>
           <p:grpSp>
             <p:nvGrpSpPr>
-              <p:cNvPr id="504" name="Google Shape;13286;p201">
+              <p:cNvPr id="136" name="Google Shape;13286;p201">
                 <a:extLst>
                   <a:ext uri="{FF2B5EF4-FFF2-40B4-BE49-F238E27FC236}">
-                    <a16:creationId xmlns:a16="http://schemas.microsoft.com/office/drawing/2014/main" id="{55AEE07A-584D-4B99-9EEC-7EE2747AD7B0}"/>
+                    <a16:creationId xmlns:a16="http://schemas.microsoft.com/office/drawing/2014/main" id="{5509B4E4-9A5F-4A44-AD7C-C7F6F06453CA}"/>
                   </a:ext>
                 </a:extLst>
               </p:cNvPr>
@@ -8299,17 +8131,17 @@
             <p:grpSpPr>
               <a:xfrm>
                 <a:off x="608609" y="2370079"/>
-                <a:ext cx="458223" cy="227991"/>
+                <a:ext cx="458224" cy="227991"/>
                 <a:chOff x="5668659" y="1713442"/>
-                <a:chExt cx="458223" cy="227991"/>
+                <a:chExt cx="458224" cy="227991"/>
               </a:xfrm>
             </p:grpSpPr>
             <p:grpSp>
               <p:nvGrpSpPr>
-                <p:cNvPr id="505" name="Google Shape;13287;p201">
+                <p:cNvPr id="137" name="Google Shape;13287;p201">
                   <a:extLst>
                     <a:ext uri="{FF2B5EF4-FFF2-40B4-BE49-F238E27FC236}">
-                      <a16:creationId xmlns:a16="http://schemas.microsoft.com/office/drawing/2014/main" id="{FF9E7841-E818-44BD-80D5-CDC9540ABB01}"/>
+                      <a16:creationId xmlns:a16="http://schemas.microsoft.com/office/drawing/2014/main" id="{EEF24FB9-1FDA-4115-B423-FC6393C2D3D4}"/>
                     </a:ext>
                   </a:extLst>
                 </p:cNvPr>
@@ -8326,10 +8158,10 @@
               </p:grpSpPr>
               <p:sp>
                 <p:nvSpPr>
-                  <p:cNvPr id="513" name="Google Shape;13288;p201">
+                  <p:cNvPr id="145" name="Google Shape;13288;p201">
                     <a:extLst>
                       <a:ext uri="{FF2B5EF4-FFF2-40B4-BE49-F238E27FC236}">
-                        <a16:creationId xmlns:a16="http://schemas.microsoft.com/office/drawing/2014/main" id="{9A92DC59-BBC7-4235-ACF6-A7D311833B63}"/>
+                        <a16:creationId xmlns:a16="http://schemas.microsoft.com/office/drawing/2014/main" id="{006AB277-63CA-4614-BA44-CD0031B01CC8}"/>
                       </a:ext>
                     </a:extLst>
                   </p:cNvPr>
@@ -8386,10 +8218,10 @@
               </p:sp>
               <p:sp>
                 <p:nvSpPr>
-                  <p:cNvPr id="514" name="Google Shape;13289;p201">
+                  <p:cNvPr id="146" name="Google Shape;13289;p201">
                     <a:extLst>
                       <a:ext uri="{FF2B5EF4-FFF2-40B4-BE49-F238E27FC236}">
-                        <a16:creationId xmlns:a16="http://schemas.microsoft.com/office/drawing/2014/main" id="{38849EB9-CA74-4045-B9A6-14C5F30E086C}"/>
+                        <a16:creationId xmlns:a16="http://schemas.microsoft.com/office/drawing/2014/main" id="{7E027DEB-B041-4D2B-8EA1-1B3A6545533A}"/>
                       </a:ext>
                     </a:extLst>
                   </p:cNvPr>
@@ -8449,10 +8281,10 @@
             </p:grpSp>
             <p:grpSp>
               <p:nvGrpSpPr>
-                <p:cNvPr id="506" name="Google Shape;13290;p201">
+                <p:cNvPr id="138" name="Google Shape;13290;p201">
                   <a:extLst>
                     <a:ext uri="{FF2B5EF4-FFF2-40B4-BE49-F238E27FC236}">
-                      <a16:creationId xmlns:a16="http://schemas.microsoft.com/office/drawing/2014/main" id="{9679A386-3780-454D-A4A8-B1AACA29E024}"/>
+                      <a16:creationId xmlns:a16="http://schemas.microsoft.com/office/drawing/2014/main" id="{3709FE99-A22B-4CCB-A089-05D4701AFE9B}"/>
                     </a:ext>
                   </a:extLst>
                 </p:cNvPr>
@@ -8469,10 +8301,10 @@
               </p:grpSpPr>
               <p:sp>
                 <p:nvSpPr>
-                  <p:cNvPr id="510" name="Google Shape;13291;p201">
+                  <p:cNvPr id="142" name="Google Shape;13291;p201">
                     <a:extLst>
                       <a:ext uri="{FF2B5EF4-FFF2-40B4-BE49-F238E27FC236}">
-                        <a16:creationId xmlns:a16="http://schemas.microsoft.com/office/drawing/2014/main" id="{ACCF15DC-F464-4E0E-A003-35F40DEC1C47}"/>
+                        <a16:creationId xmlns:a16="http://schemas.microsoft.com/office/drawing/2014/main" id="{A5A5E507-888C-4754-AC6D-71AEA10074A8}"/>
                       </a:ext>
                     </a:extLst>
                   </p:cNvPr>
@@ -8529,10 +8361,10 @@
               </p:sp>
               <p:sp>
                 <p:nvSpPr>
-                  <p:cNvPr id="511" name="Google Shape;13292;p201">
+                  <p:cNvPr id="143" name="Google Shape;13292;p201">
                     <a:extLst>
                       <a:ext uri="{FF2B5EF4-FFF2-40B4-BE49-F238E27FC236}">
-                        <a16:creationId xmlns:a16="http://schemas.microsoft.com/office/drawing/2014/main" id="{FE6FA4B7-BD71-4426-8CDA-929EE951345E}"/>
+                        <a16:creationId xmlns:a16="http://schemas.microsoft.com/office/drawing/2014/main" id="{36DBC583-FC9C-40A2-8A96-C88E4B7A6EFC}"/>
                       </a:ext>
                     </a:extLst>
                   </p:cNvPr>
@@ -8591,10 +8423,10 @@
               </p:sp>
               <p:sp>
                 <p:nvSpPr>
-                  <p:cNvPr id="512" name="Google Shape;13293;p201">
+                  <p:cNvPr id="144" name="Google Shape;13293;p201">
                     <a:extLst>
                       <a:ext uri="{FF2B5EF4-FFF2-40B4-BE49-F238E27FC236}">
-                        <a16:creationId xmlns:a16="http://schemas.microsoft.com/office/drawing/2014/main" id="{76A21DCA-4661-49EA-AE64-3B68004F49D8}"/>
+                        <a16:creationId xmlns:a16="http://schemas.microsoft.com/office/drawing/2014/main" id="{40FE7AA7-3BCA-46A6-836F-7D8A135D41DC}"/>
                       </a:ext>
                     </a:extLst>
                   </p:cNvPr>
@@ -8655,10 +8487,10 @@
             </p:grpSp>
             <p:grpSp>
               <p:nvGrpSpPr>
-                <p:cNvPr id="507" name="Google Shape;13294;p201">
+                <p:cNvPr id="139" name="Google Shape;13294;p201">
                   <a:extLst>
                     <a:ext uri="{FF2B5EF4-FFF2-40B4-BE49-F238E27FC236}">
-                      <a16:creationId xmlns:a16="http://schemas.microsoft.com/office/drawing/2014/main" id="{8058279F-AB3A-4208-8838-92B9A2040939}"/>
+                      <a16:creationId xmlns:a16="http://schemas.microsoft.com/office/drawing/2014/main" id="{BC9CC176-DB4B-478A-8A18-88BA1A328F39}"/>
                     </a:ext>
                   </a:extLst>
                 </p:cNvPr>
@@ -8675,10 +8507,10 @@
               </p:grpSpPr>
               <p:sp>
                 <p:nvSpPr>
-                  <p:cNvPr id="508" name="Google Shape;13295;p201">
+                  <p:cNvPr id="140" name="Google Shape;13295;p201">
                     <a:extLst>
                       <a:ext uri="{FF2B5EF4-FFF2-40B4-BE49-F238E27FC236}">
-                        <a16:creationId xmlns:a16="http://schemas.microsoft.com/office/drawing/2014/main" id="{2B25A686-4593-470B-AFAE-F4BE72F088D4}"/>
+                        <a16:creationId xmlns:a16="http://schemas.microsoft.com/office/drawing/2014/main" id="{BE33AD43-423D-4262-9A47-DE3D8CE3E5B1}"/>
                       </a:ext>
                     </a:extLst>
                   </p:cNvPr>
@@ -8737,10 +8569,10 @@
               </p:sp>
               <p:sp>
                 <p:nvSpPr>
-                  <p:cNvPr id="509" name="Google Shape;13296;p201">
+                  <p:cNvPr id="141" name="Google Shape;13296;p201">
                     <a:extLst>
                       <a:ext uri="{FF2B5EF4-FFF2-40B4-BE49-F238E27FC236}">
-                        <a16:creationId xmlns:a16="http://schemas.microsoft.com/office/drawing/2014/main" id="{105993A6-49A5-4288-81C0-589F0230637A}"/>
+                        <a16:creationId xmlns:a16="http://schemas.microsoft.com/office/drawing/2014/main" id="{8E4B2E3F-B53F-4370-B064-97B119815249}"/>
                       </a:ext>
                     </a:extLst>
                   </p:cNvPr>
@@ -8799,655 +8631,6 @@
           </p:grpSp>
         </p:grpSp>
       </p:grpSp>
-      <p:sp>
-        <p:nvSpPr>
-          <p:cNvPr id="602" name="Google Shape;13176;p201">
-            <a:extLst>
-              <a:ext uri="{FF2B5EF4-FFF2-40B4-BE49-F238E27FC236}">
-                <a16:creationId xmlns:a16="http://schemas.microsoft.com/office/drawing/2014/main" id="{482F7074-67C1-48E7-8377-76B695014EA2}"/>
-              </a:ext>
-            </a:extLst>
-          </p:cNvPr>
-          <p:cNvSpPr/>
-          <p:nvPr/>
-        </p:nvSpPr>
-        <p:spPr>
-          <a:xfrm>
-            <a:off x="3952800" y="2166848"/>
-            <a:ext cx="198000" cy="220200"/>
-          </a:xfrm>
-          <a:prstGeom prst="cube">
-            <a:avLst>
-              <a:gd name="adj" fmla="val 28246"/>
-            </a:avLst>
-          </a:prstGeom>
-          <a:gradFill>
-            <a:gsLst>
-              <a:gs pos="0">
-                <a:srgbClr val="FE9E99"/>
-              </a:gs>
-              <a:gs pos="100000">
-                <a:srgbClr val="DCEDBA"/>
-              </a:gs>
-            </a:gsLst>
-            <a:lin ang="0" scaled="0"/>
-          </a:gradFill>
-          <a:ln w="9525" cap="flat" cmpd="sng">
-            <a:solidFill>
-              <a:schemeClr val="dk2"/>
-            </a:solidFill>
-            <a:prstDash val="solid"/>
-            <a:round/>
-            <a:headEnd type="none" w="sm" len="sm"/>
-            <a:tailEnd type="none" w="sm" len="sm"/>
-          </a:ln>
-        </p:spPr>
-        <p:txBody>
-          <a:bodyPr spcFirstLastPara="1" wrap="square" lIns="91425" tIns="91425" rIns="91425" bIns="91425" anchor="ctr" anchorCtr="0">
-            <a:noAutofit/>
-          </a:bodyPr>
-          <a:lstStyle/>
-          <a:p>
-            <a:pPr marL="0" lvl="0" indent="0" algn="l" rtl="0">
-              <a:spcBef>
-                <a:spcPts val="0"/>
-              </a:spcBef>
-              <a:spcAft>
-                <a:spcPts val="0"/>
-              </a:spcAft>
-              <a:buNone/>
-            </a:pPr>
-            <a:endParaRPr/>
-          </a:p>
-        </p:txBody>
-      </p:sp>
-      <p:sp>
-        <p:nvSpPr>
-          <p:cNvPr id="603" name="Google Shape;13176;p201">
-            <a:extLst>
-              <a:ext uri="{FF2B5EF4-FFF2-40B4-BE49-F238E27FC236}">
-                <a16:creationId xmlns:a16="http://schemas.microsoft.com/office/drawing/2014/main" id="{AFDBD1AA-344D-4EAB-AC67-4D5E87C5D59B}"/>
-              </a:ext>
-            </a:extLst>
-          </p:cNvPr>
-          <p:cNvSpPr/>
-          <p:nvPr/>
-        </p:nvSpPr>
-        <p:spPr>
-          <a:xfrm>
-            <a:off x="4094933" y="2166738"/>
-            <a:ext cx="198000" cy="220200"/>
-          </a:xfrm>
-          <a:prstGeom prst="cube">
-            <a:avLst>
-              <a:gd name="adj" fmla="val 28246"/>
-            </a:avLst>
-          </a:prstGeom>
-          <a:gradFill>
-            <a:gsLst>
-              <a:gs pos="0">
-                <a:srgbClr val="9A8AC1"/>
-              </a:gs>
-              <a:gs pos="100000">
-                <a:srgbClr val="DBD3EB"/>
-              </a:gs>
-            </a:gsLst>
-            <a:lin ang="0" scaled="0"/>
-          </a:gradFill>
-          <a:ln w="9525" cap="flat" cmpd="sng">
-            <a:solidFill>
-              <a:schemeClr val="dk2"/>
-            </a:solidFill>
-            <a:prstDash val="solid"/>
-            <a:round/>
-            <a:headEnd type="none" w="sm" len="sm"/>
-            <a:tailEnd type="none" w="sm" len="sm"/>
-          </a:ln>
-        </p:spPr>
-        <p:txBody>
-          <a:bodyPr spcFirstLastPara="1" wrap="square" lIns="91425" tIns="91425" rIns="91425" bIns="91425" anchor="ctr" anchorCtr="0">
-            <a:noAutofit/>
-          </a:bodyPr>
-          <a:lstStyle/>
-          <a:p>
-            <a:pPr marL="0" lvl="0" indent="0" algn="l" rtl="0">
-              <a:spcBef>
-                <a:spcPts val="0"/>
-              </a:spcBef>
-              <a:spcAft>
-                <a:spcPts val="0"/>
-              </a:spcAft>
-              <a:buNone/>
-            </a:pPr>
-            <a:endParaRPr/>
-          </a:p>
-        </p:txBody>
-      </p:sp>
-      <p:sp>
-        <p:nvSpPr>
-          <p:cNvPr id="604" name="Google Shape;13176;p201">
-            <a:extLst>
-              <a:ext uri="{FF2B5EF4-FFF2-40B4-BE49-F238E27FC236}">
-                <a16:creationId xmlns:a16="http://schemas.microsoft.com/office/drawing/2014/main" id="{4D4492A6-9087-47CB-B3CC-03A0BB2F3458}"/>
-              </a:ext>
-            </a:extLst>
-          </p:cNvPr>
-          <p:cNvSpPr/>
-          <p:nvPr/>
-        </p:nvSpPr>
-        <p:spPr>
-          <a:xfrm>
-            <a:off x="4238780" y="2166738"/>
-            <a:ext cx="198000" cy="220200"/>
-          </a:xfrm>
-          <a:prstGeom prst="cube">
-            <a:avLst>
-              <a:gd name="adj" fmla="val 28246"/>
-            </a:avLst>
-          </a:prstGeom>
-          <a:gradFill>
-            <a:gsLst>
-              <a:gs pos="0">
-                <a:srgbClr val="DE95F1"/>
-              </a:gs>
-              <a:gs pos="100000">
-                <a:srgbClr val="E0ECC1"/>
-              </a:gs>
-            </a:gsLst>
-            <a:lin ang="0" scaled="0"/>
-          </a:gradFill>
-          <a:ln w="9525" cap="flat" cmpd="sng">
-            <a:solidFill>
-              <a:schemeClr val="dk2"/>
-            </a:solidFill>
-            <a:prstDash val="solid"/>
-            <a:round/>
-            <a:headEnd type="none" w="sm" len="sm"/>
-            <a:tailEnd type="none" w="sm" len="sm"/>
-          </a:ln>
-        </p:spPr>
-        <p:txBody>
-          <a:bodyPr spcFirstLastPara="1" wrap="square" lIns="91425" tIns="91425" rIns="91425" bIns="91425" anchor="ctr" anchorCtr="0">
-            <a:noAutofit/>
-          </a:bodyPr>
-          <a:lstStyle/>
-          <a:p>
-            <a:pPr marL="0" lvl="0" indent="0" algn="l" rtl="0">
-              <a:spcBef>
-                <a:spcPts val="0"/>
-              </a:spcBef>
-              <a:spcAft>
-                <a:spcPts val="0"/>
-              </a:spcAft>
-              <a:buNone/>
-            </a:pPr>
-            <a:endParaRPr/>
-          </a:p>
-        </p:txBody>
-      </p:sp>
-      <p:cxnSp>
-        <p:nvCxnSpPr>
-          <p:cNvPr id="605" name="Google Shape;13297;p201">
-            <a:extLst>
-              <a:ext uri="{FF2B5EF4-FFF2-40B4-BE49-F238E27FC236}">
-                <a16:creationId xmlns:a16="http://schemas.microsoft.com/office/drawing/2014/main" id="{7BE85A36-7976-4E97-B3E0-EAA6D8643D34}"/>
-              </a:ext>
-            </a:extLst>
-          </p:cNvPr>
-          <p:cNvCxnSpPr>
-            <a:cxnSpLocks/>
-            <a:stCxn id="520" idx="3"/>
-            <a:endCxn id="604" idx="1"/>
-          </p:cNvCxnSpPr>
-          <p:nvPr/>
-        </p:nvCxnSpPr>
-        <p:spPr>
-          <a:xfrm flipV="1">
-            <a:off x="3099703" y="2222665"/>
-            <a:ext cx="1210113" cy="211971"/>
-          </a:xfrm>
-          <a:prstGeom prst="curvedConnector4">
-            <a:avLst>
-              <a:gd name="adj1" fmla="val 47065"/>
-              <a:gd name="adj2" fmla="val 234229"/>
-            </a:avLst>
-          </a:prstGeom>
-          <a:noFill/>
-          <a:ln w="19050" cap="flat" cmpd="sng">
-            <a:solidFill>
-              <a:srgbClr val="DFC8E9"/>
-            </a:solidFill>
-            <a:prstDash val="solid"/>
-            <a:round/>
-            <a:headEnd type="none" w="med" len="med"/>
-            <a:tailEnd type="triangle" w="med" len="med"/>
-          </a:ln>
-        </p:spPr>
-      </p:cxnSp>
-      <p:cxnSp>
-        <p:nvCxnSpPr>
-          <p:cNvPr id="612" name="Google Shape;13297;p201">
-            <a:extLst>
-              <a:ext uri="{FF2B5EF4-FFF2-40B4-BE49-F238E27FC236}">
-                <a16:creationId xmlns:a16="http://schemas.microsoft.com/office/drawing/2014/main" id="{AE2CD27C-6249-426C-9B6D-69D25A68570F}"/>
-              </a:ext>
-            </a:extLst>
-          </p:cNvPr>
-          <p:cNvCxnSpPr>
-            <a:cxnSpLocks/>
-            <a:stCxn id="533" idx="2"/>
-            <a:endCxn id="603" idx="3"/>
-          </p:cNvCxnSpPr>
-          <p:nvPr/>
-        </p:nvCxnSpPr>
-        <p:spPr>
-          <a:xfrm rot="5400000" flipH="1" flipV="1">
-            <a:off x="3398749" y="1883592"/>
-            <a:ext cx="263873" cy="1270566"/>
-          </a:xfrm>
-          <a:prstGeom prst="curvedConnector3">
-            <a:avLst>
-              <a:gd name="adj1" fmla="val -86633"/>
-            </a:avLst>
-          </a:prstGeom>
-          <a:noFill/>
-          <a:ln w="19050" cap="flat" cmpd="sng">
-            <a:solidFill>
-              <a:srgbClr val="C6BCDD"/>
-            </a:solidFill>
-            <a:prstDash val="solid"/>
-            <a:round/>
-            <a:headEnd type="none" w="med" len="med"/>
-            <a:tailEnd type="triangle" w="med" len="med"/>
-          </a:ln>
-        </p:spPr>
-      </p:cxnSp>
-      <p:cxnSp>
-        <p:nvCxnSpPr>
-          <p:cNvPr id="619" name="Google Shape;13297;p201">
-            <a:extLst>
-              <a:ext uri="{FF2B5EF4-FFF2-40B4-BE49-F238E27FC236}">
-                <a16:creationId xmlns:a16="http://schemas.microsoft.com/office/drawing/2014/main" id="{55DCDD54-9A01-41D4-872B-895FDC5E1098}"/>
-              </a:ext>
-            </a:extLst>
-          </p:cNvPr>
-          <p:cNvCxnSpPr>
-            <a:cxnSpLocks/>
-            <a:stCxn id="509" idx="0"/>
-            <a:endCxn id="602" idx="1"/>
-          </p:cNvCxnSpPr>
-          <p:nvPr/>
-        </p:nvCxnSpPr>
-        <p:spPr>
-          <a:xfrm rot="5400000" flipH="1" flipV="1">
-            <a:off x="3388184" y="1593787"/>
-            <a:ext cx="6663" cy="1264641"/>
-          </a:xfrm>
-          <a:prstGeom prst="curvedConnector3">
-            <a:avLst>
-              <a:gd name="adj1" fmla="val 4370254"/>
-            </a:avLst>
-          </a:prstGeom>
-          <a:noFill/>
-          <a:ln w="19050" cap="flat" cmpd="sng">
-            <a:solidFill>
-              <a:srgbClr val="F3D6B0"/>
-            </a:solidFill>
-            <a:prstDash val="solid"/>
-            <a:round/>
-            <a:headEnd type="none" w="med" len="med"/>
-            <a:tailEnd type="triangle" w="med" len="med"/>
-          </a:ln>
-        </p:spPr>
-      </p:cxnSp>
-      <p:sp>
-        <p:nvSpPr>
-          <p:cNvPr id="744" name="Google Shape;13176;p201">
-            <a:extLst>
-              <a:ext uri="{FF2B5EF4-FFF2-40B4-BE49-F238E27FC236}">
-                <a16:creationId xmlns:a16="http://schemas.microsoft.com/office/drawing/2014/main" id="{214D32F9-05B3-4A0E-B685-7A96F8B6F926}"/>
-              </a:ext>
-            </a:extLst>
-          </p:cNvPr>
-          <p:cNvSpPr/>
-          <p:nvPr/>
-        </p:nvSpPr>
-        <p:spPr>
-          <a:xfrm>
-            <a:off x="5928835" y="4148627"/>
-            <a:ext cx="198000" cy="220200"/>
-          </a:xfrm>
-          <a:prstGeom prst="cube">
-            <a:avLst>
-              <a:gd name="adj" fmla="val 28246"/>
-            </a:avLst>
-          </a:prstGeom>
-          <a:gradFill>
-            <a:gsLst>
-              <a:gs pos="0">
-                <a:srgbClr val="FF6699"/>
-              </a:gs>
-              <a:gs pos="100000">
-                <a:srgbClr val="FEA4D7"/>
-              </a:gs>
-            </a:gsLst>
-            <a:lin ang="0" scaled="0"/>
-          </a:gradFill>
-          <a:ln w="9525" cap="flat" cmpd="sng">
-            <a:solidFill>
-              <a:schemeClr val="dk2"/>
-            </a:solidFill>
-            <a:prstDash val="solid"/>
-            <a:round/>
-            <a:headEnd type="none" w="sm" len="sm"/>
-            <a:tailEnd type="none" w="sm" len="sm"/>
-          </a:ln>
-        </p:spPr>
-        <p:txBody>
-          <a:bodyPr spcFirstLastPara="1" wrap="square" lIns="91425" tIns="91425" rIns="91425" bIns="91425" anchor="ctr" anchorCtr="0">
-            <a:noAutofit/>
-          </a:bodyPr>
-          <a:lstStyle/>
-          <a:p>
-            <a:pPr marL="0" lvl="0" indent="0" algn="l" rtl="0">
-              <a:spcBef>
-                <a:spcPts val="0"/>
-              </a:spcBef>
-              <a:spcAft>
-                <a:spcPts val="0"/>
-              </a:spcAft>
-              <a:buNone/>
-            </a:pPr>
-            <a:endParaRPr/>
-          </a:p>
-        </p:txBody>
-      </p:sp>
-      <p:sp>
-        <p:nvSpPr>
-          <p:cNvPr id="745" name="Google Shape;13176;p201">
-            <a:extLst>
-              <a:ext uri="{FF2B5EF4-FFF2-40B4-BE49-F238E27FC236}">
-                <a16:creationId xmlns:a16="http://schemas.microsoft.com/office/drawing/2014/main" id="{3224F6AE-4797-4725-AEFC-6B64B29CA239}"/>
-              </a:ext>
-            </a:extLst>
-          </p:cNvPr>
-          <p:cNvSpPr/>
-          <p:nvPr/>
-        </p:nvSpPr>
-        <p:spPr>
-          <a:xfrm>
-            <a:off x="5223224" y="3150181"/>
-            <a:ext cx="198000" cy="220200"/>
-          </a:xfrm>
-          <a:prstGeom prst="cube">
-            <a:avLst>
-              <a:gd name="adj" fmla="val 28246"/>
-            </a:avLst>
-          </a:prstGeom>
-          <a:gradFill>
-            <a:gsLst>
-              <a:gs pos="0">
-                <a:srgbClr val="FF6699"/>
-              </a:gs>
-              <a:gs pos="100000">
-                <a:srgbClr val="FEA4D7"/>
-              </a:gs>
-            </a:gsLst>
-            <a:lin ang="0" scaled="0"/>
-          </a:gradFill>
-          <a:ln w="9525" cap="flat" cmpd="sng">
-            <a:solidFill>
-              <a:schemeClr val="dk2"/>
-            </a:solidFill>
-            <a:prstDash val="solid"/>
-            <a:round/>
-            <a:headEnd type="none" w="sm" len="sm"/>
-            <a:tailEnd type="none" w="sm" len="sm"/>
-          </a:ln>
-        </p:spPr>
-        <p:txBody>
-          <a:bodyPr spcFirstLastPara="1" wrap="square" lIns="91425" tIns="91425" rIns="91425" bIns="91425" anchor="ctr" anchorCtr="0">
-            <a:noAutofit/>
-          </a:bodyPr>
-          <a:lstStyle/>
-          <a:p>
-            <a:pPr marL="0" lvl="0" indent="0" algn="l" rtl="0">
-              <a:spcBef>
-                <a:spcPts val="0"/>
-              </a:spcBef>
-              <a:spcAft>
-                <a:spcPts val="0"/>
-              </a:spcAft>
-              <a:buNone/>
-            </a:pPr>
-            <a:endParaRPr/>
-          </a:p>
-        </p:txBody>
-      </p:sp>
-      <p:cxnSp>
-        <p:nvCxnSpPr>
-          <p:cNvPr id="746" name="Google Shape;13297;p201">
-            <a:extLst>
-              <a:ext uri="{FF2B5EF4-FFF2-40B4-BE49-F238E27FC236}">
-                <a16:creationId xmlns:a16="http://schemas.microsoft.com/office/drawing/2014/main" id="{FAC89E67-33C5-44FB-A541-A7C0B79FBED5}"/>
-              </a:ext>
-            </a:extLst>
-          </p:cNvPr>
-          <p:cNvCxnSpPr>
-            <a:cxnSpLocks/>
-            <a:stCxn id="751" idx="4"/>
-            <a:endCxn id="745" idx="2"/>
-          </p:cNvCxnSpPr>
-          <p:nvPr/>
-        </p:nvCxnSpPr>
-        <p:spPr>
-          <a:xfrm flipV="1">
-            <a:off x="4385990" y="3288245"/>
-            <a:ext cx="837234" cy="10386"/>
-          </a:xfrm>
-          <a:prstGeom prst="curvedConnector3">
-            <a:avLst>
-              <a:gd name="adj1" fmla="val 50000"/>
-            </a:avLst>
-          </a:prstGeom>
-          <a:noFill/>
-          <a:ln w="19050" cap="flat" cmpd="sng">
-            <a:solidFill>
-              <a:srgbClr val="F4CCCC"/>
-            </a:solidFill>
-            <a:prstDash val="solid"/>
-            <a:round/>
-            <a:headEnd type="none" w="med" len="med"/>
-            <a:tailEnd type="triangle" w="med" len="med"/>
-          </a:ln>
-        </p:spPr>
-      </p:cxnSp>
-      <p:sp>
-        <p:nvSpPr>
-          <p:cNvPr id="749" name="Google Shape;13176;p201">
-            <a:extLst>
-              <a:ext uri="{FF2B5EF4-FFF2-40B4-BE49-F238E27FC236}">
-                <a16:creationId xmlns:a16="http://schemas.microsoft.com/office/drawing/2014/main" id="{D370AC2C-E115-4773-BDC3-3BB4BFADDD53}"/>
-              </a:ext>
-            </a:extLst>
-          </p:cNvPr>
-          <p:cNvSpPr/>
-          <p:nvPr/>
-        </p:nvSpPr>
-        <p:spPr>
-          <a:xfrm>
-            <a:off x="3959651" y="3160567"/>
-            <a:ext cx="198000" cy="220200"/>
-          </a:xfrm>
-          <a:prstGeom prst="cube">
-            <a:avLst>
-              <a:gd name="adj" fmla="val 28246"/>
-            </a:avLst>
-          </a:prstGeom>
-          <a:gradFill>
-            <a:gsLst>
-              <a:gs pos="0">
-                <a:srgbClr val="00CCFF"/>
-              </a:gs>
-              <a:gs pos="100000">
-                <a:srgbClr val="00FFFF"/>
-              </a:gs>
-            </a:gsLst>
-            <a:lin ang="0" scaled="0"/>
-          </a:gradFill>
-          <a:ln w="9525" cap="flat" cmpd="sng">
-            <a:solidFill>
-              <a:schemeClr val="dk2"/>
-            </a:solidFill>
-            <a:prstDash val="solid"/>
-            <a:round/>
-            <a:headEnd type="none" w="sm" len="sm"/>
-            <a:tailEnd type="none" w="sm" len="sm"/>
-          </a:ln>
-        </p:spPr>
-        <p:txBody>
-          <a:bodyPr spcFirstLastPara="1" wrap="square" lIns="91425" tIns="91425" rIns="91425" bIns="91425" anchor="ctr" anchorCtr="0">
-            <a:noAutofit/>
-          </a:bodyPr>
-          <a:lstStyle/>
-          <a:p>
-            <a:pPr marL="0" lvl="0" indent="0" algn="l" rtl="0">
-              <a:spcBef>
-                <a:spcPts val="0"/>
-              </a:spcBef>
-              <a:spcAft>
-                <a:spcPts val="0"/>
-              </a:spcAft>
-              <a:buNone/>
-            </a:pPr>
-            <a:endParaRPr/>
-          </a:p>
-        </p:txBody>
-      </p:sp>
-      <p:sp>
-        <p:nvSpPr>
-          <p:cNvPr id="750" name="Google Shape;13176;p201">
-            <a:extLst>
-              <a:ext uri="{FF2B5EF4-FFF2-40B4-BE49-F238E27FC236}">
-                <a16:creationId xmlns:a16="http://schemas.microsoft.com/office/drawing/2014/main" id="{760B87BE-6FDC-478A-8E39-84B254DB6073}"/>
-              </a:ext>
-            </a:extLst>
-          </p:cNvPr>
-          <p:cNvSpPr/>
-          <p:nvPr/>
-        </p:nvSpPr>
-        <p:spPr>
-          <a:xfrm>
-            <a:off x="4101784" y="3160567"/>
-            <a:ext cx="198000" cy="220200"/>
-          </a:xfrm>
-          <a:prstGeom prst="cube">
-            <a:avLst>
-              <a:gd name="adj" fmla="val 28246"/>
-            </a:avLst>
-          </a:prstGeom>
-          <a:gradFill>
-            <a:gsLst>
-              <a:gs pos="0">
-                <a:srgbClr val="00CCFF"/>
-              </a:gs>
-              <a:gs pos="100000">
-                <a:srgbClr val="00FFFF"/>
-              </a:gs>
-            </a:gsLst>
-            <a:lin ang="0" scaled="0"/>
-          </a:gradFill>
-          <a:ln w="9525" cap="flat" cmpd="sng">
-            <a:solidFill>
-              <a:schemeClr val="dk2"/>
-            </a:solidFill>
-            <a:prstDash val="solid"/>
-            <a:round/>
-            <a:headEnd type="none" w="sm" len="sm"/>
-            <a:tailEnd type="none" w="sm" len="sm"/>
-          </a:ln>
-        </p:spPr>
-        <p:txBody>
-          <a:bodyPr spcFirstLastPara="1" wrap="square" lIns="91425" tIns="91425" rIns="91425" bIns="91425" anchor="ctr" anchorCtr="0">
-            <a:noAutofit/>
-          </a:bodyPr>
-          <a:lstStyle/>
-          <a:p>
-            <a:pPr marL="0" lvl="0" indent="0" algn="l" rtl="0">
-              <a:spcBef>
-                <a:spcPts val="0"/>
-              </a:spcBef>
-              <a:spcAft>
-                <a:spcPts val="0"/>
-              </a:spcAft>
-              <a:buNone/>
-            </a:pPr>
-            <a:endParaRPr/>
-          </a:p>
-        </p:txBody>
-      </p:sp>
-      <p:sp>
-        <p:nvSpPr>
-          <p:cNvPr id="751" name="Google Shape;13176;p201">
-            <a:extLst>
-              <a:ext uri="{FF2B5EF4-FFF2-40B4-BE49-F238E27FC236}">
-                <a16:creationId xmlns:a16="http://schemas.microsoft.com/office/drawing/2014/main" id="{B765BB14-EA1A-41B2-BE19-DF9709A72B40}"/>
-              </a:ext>
-            </a:extLst>
-          </p:cNvPr>
-          <p:cNvSpPr/>
-          <p:nvPr/>
-        </p:nvSpPr>
-        <p:spPr>
-          <a:xfrm>
-            <a:off x="4243917" y="3160567"/>
-            <a:ext cx="198000" cy="220200"/>
-          </a:xfrm>
-          <a:prstGeom prst="cube">
-            <a:avLst>
-              <a:gd name="adj" fmla="val 28246"/>
-            </a:avLst>
-          </a:prstGeom>
-          <a:gradFill>
-            <a:gsLst>
-              <a:gs pos="0">
-                <a:srgbClr val="00CCFF"/>
-              </a:gs>
-              <a:gs pos="100000">
-                <a:srgbClr val="00FFFF"/>
-              </a:gs>
-            </a:gsLst>
-            <a:lin ang="0" scaled="0"/>
-          </a:gradFill>
-          <a:ln w="9525" cap="flat" cmpd="sng">
-            <a:solidFill>
-              <a:schemeClr val="dk2"/>
-            </a:solidFill>
-            <a:prstDash val="solid"/>
-            <a:round/>
-            <a:headEnd type="none" w="sm" len="sm"/>
-            <a:tailEnd type="none" w="sm" len="sm"/>
-          </a:ln>
-        </p:spPr>
-        <p:txBody>
-          <a:bodyPr spcFirstLastPara="1" wrap="square" lIns="91425" tIns="91425" rIns="91425" bIns="91425" anchor="ctr" anchorCtr="0">
-            <a:noAutofit/>
-          </a:bodyPr>
-          <a:lstStyle/>
-          <a:p>
-            <a:pPr marL="0" lvl="0" indent="0" algn="l" rtl="0">
-              <a:spcBef>
-                <a:spcPts val="0"/>
-              </a:spcBef>
-              <a:spcAft>
-                <a:spcPts val="0"/>
-              </a:spcAft>
-              <a:buNone/>
-            </a:pPr>
-            <a:endParaRPr/>
-          </a:p>
-        </p:txBody>
-      </p:sp>
     </p:spTree>
     <p:extLst>
       <p:ext uri="{BB962C8B-B14F-4D97-AF65-F5344CB8AC3E}">

--- a/posts.assets/2021-10-08-introduction-to-MobileNetV2.assets/standard_convolution.pptx
+++ b/posts.assets/2021-10-08-introduction-to-MobileNetV2.assets/standard_convolution.pptx
@@ -3949,6 +3949,17 @@
             <a:chOff x="506259" y="2370079"/>
             <a:chExt cx="560574" cy="638941"/>
           </a:xfrm>
+          <a:gradFill>
+            <a:gsLst>
+              <a:gs pos="0">
+                <a:srgbClr val="00CCFF"/>
+              </a:gs>
+              <a:gs pos="100000">
+                <a:srgbClr val="00FFFF"/>
+              </a:gs>
+            </a:gsLst>
+            <a:lin ang="0" scaled="0"/>
+          </a:gradFill>
         </p:grpSpPr>
         <p:grpSp>
           <p:nvGrpSpPr>
@@ -3969,6 +3980,7 @@
               <a:chOff x="608609" y="2370079"/>
               <a:chExt cx="458224" cy="523616"/>
             </a:xfrm>
+            <a:grpFill/>
           </p:grpSpPr>
           <p:grpSp>
             <p:nvGrpSpPr>
@@ -3989,6 +4001,7 @@
                 <a:chOff x="5668659" y="1713442"/>
                 <a:chExt cx="458224" cy="227991"/>
               </a:xfrm>
+              <a:grpFill/>
             </p:grpSpPr>
             <p:grpSp>
               <p:nvGrpSpPr>
@@ -4009,6 +4022,7 @@
                   <a:chOff x="5802485" y="1713507"/>
                   <a:chExt cx="188679" cy="227926"/>
                 </a:xfrm>
+                <a:grpFill/>
               </p:grpSpPr>
               <p:sp>
                 <p:nvSpPr>
@@ -4030,17 +4044,7 @@
                   <a:prstGeom prst="rect">
                     <a:avLst/>
                   </a:prstGeom>
-                  <a:gradFill>
-                    <a:gsLst>
-                      <a:gs pos="0">
-                        <a:srgbClr val="DBD4EB"/>
-                      </a:gs>
-                      <a:gs pos="100000">
-                        <a:srgbClr val="9180BB"/>
-                      </a:gs>
-                    </a:gsLst>
-                    <a:lin ang="16198662" scaled="0"/>
-                  </a:gradFill>
+                  <a:grpFill/>
                   <a:ln w="9525" cap="flat" cmpd="sng">
                     <a:solidFill>
                       <a:schemeClr val="dk2"/>
@@ -4092,17 +4096,7 @@
                       <a:gd name="adj" fmla="val 99657"/>
                     </a:avLst>
                   </a:prstGeom>
-                  <a:gradFill>
-                    <a:gsLst>
-                      <a:gs pos="0">
-                        <a:srgbClr val="DBD4EB"/>
-                      </a:gs>
-                      <a:gs pos="100000">
-                        <a:srgbClr val="9180BB"/>
-                      </a:gs>
-                    </a:gsLst>
-                    <a:lin ang="16198662" scaled="0"/>
-                  </a:gradFill>
+                  <a:grpFill/>
                   <a:ln w="9525" cap="flat" cmpd="sng">
                     <a:solidFill>
                       <a:schemeClr val="dk2"/>
@@ -4152,6 +4146,7 @@
                   <a:chOff x="5936312" y="1713442"/>
                   <a:chExt cx="190570" cy="227991"/>
                 </a:xfrm>
+                <a:grpFill/>
               </p:grpSpPr>
               <p:sp>
                 <p:nvSpPr>
@@ -4173,17 +4168,7 @@
                   <a:prstGeom prst="rect">
                     <a:avLst/>
                   </a:prstGeom>
-                  <a:gradFill>
-                    <a:gsLst>
-                      <a:gs pos="0">
-                        <a:srgbClr val="E0EDBA"/>
-                      </a:gs>
-                      <a:gs pos="100000">
-                        <a:srgbClr val="DE87F1"/>
-                      </a:gs>
-                    </a:gsLst>
-                    <a:lin ang="13500032" scaled="0"/>
-                  </a:gradFill>
+                  <a:grpFill/>
                   <a:ln w="9525" cap="flat" cmpd="sng">
                     <a:solidFill>
                       <a:schemeClr val="dk2"/>
@@ -4235,17 +4220,7 @@
                       <a:gd name="adj" fmla="val 91890"/>
                     </a:avLst>
                   </a:prstGeom>
-                  <a:gradFill>
-                    <a:gsLst>
-                      <a:gs pos="0">
-                        <a:srgbClr val="E0EDBA"/>
-                      </a:gs>
-                      <a:gs pos="100000">
-                        <a:srgbClr val="DE87F1"/>
-                      </a:gs>
-                    </a:gsLst>
-                    <a:lin ang="13500032" scaled="0"/>
-                  </a:gradFill>
+                  <a:grpFill/>
                   <a:ln w="9525" cap="flat" cmpd="sng">
                     <a:solidFill>
                       <a:schemeClr val="dk2"/>
@@ -4316,17 +4291,7 @@
                       </a:path>
                     </a:pathLst>
                   </a:custGeom>
-                  <a:gradFill>
-                    <a:gsLst>
-                      <a:gs pos="0">
-                        <a:srgbClr val="E0EDBA"/>
-                      </a:gs>
-                      <a:gs pos="100000">
-                        <a:srgbClr val="DE87F1"/>
-                      </a:gs>
-                    </a:gsLst>
-                    <a:lin ang="13500032" scaled="0"/>
-                  </a:gradFill>
+                  <a:grpFill/>
                   <a:ln w="9525" cap="flat" cmpd="sng">
                     <a:solidFill>
                       <a:schemeClr val="dk2"/>
@@ -4358,6 +4323,7 @@
                   <a:chOff x="5668659" y="1714000"/>
                   <a:chExt cx="193488" cy="227433"/>
                 </a:xfrm>
+                <a:grpFill/>
               </p:grpSpPr>
               <p:sp>
                 <p:nvSpPr>
@@ -4381,17 +4347,7 @@
                       <a:gd name="adj" fmla="val 94805"/>
                     </a:avLst>
                   </a:prstGeom>
-                  <a:gradFill>
-                    <a:gsLst>
-                      <a:gs pos="0">
-                        <a:srgbClr val="D8EDBA"/>
-                      </a:gs>
-                      <a:gs pos="100000">
-                        <a:srgbClr val="FE9696"/>
-                      </a:gs>
-                    </a:gsLst>
-                    <a:lin ang="13500032" scaled="0"/>
-                  </a:gradFill>
+                  <a:grpFill/>
                   <a:ln w="9525" cap="flat" cmpd="sng">
                     <a:solidFill>
                       <a:schemeClr val="dk2"/>
@@ -4441,17 +4397,7 @@
                   <a:prstGeom prst="rect">
                     <a:avLst/>
                   </a:prstGeom>
-                  <a:gradFill>
-                    <a:gsLst>
-                      <a:gs pos="0">
-                        <a:srgbClr val="D8EDBA"/>
-                      </a:gs>
-                      <a:gs pos="100000">
-                        <a:srgbClr val="FE9696"/>
-                      </a:gs>
-                    </a:gsLst>
-                    <a:lin ang="13500032" scaled="0"/>
-                  </a:gradFill>
+                  <a:grpFill/>
                   <a:ln w="9525" cap="flat" cmpd="sng">
                     <a:solidFill>
                       <a:schemeClr val="dk2"/>
@@ -4502,6 +4448,7 @@
                 <a:chOff x="5668659" y="1713442"/>
                 <a:chExt cx="458224" cy="227991"/>
               </a:xfrm>
+              <a:grpFill/>
             </p:grpSpPr>
             <p:grpSp>
               <p:nvGrpSpPr>
@@ -4522,6 +4469,7 @@
                   <a:chOff x="5802485" y="1713507"/>
                   <a:chExt cx="188679" cy="227926"/>
                 </a:xfrm>
+                <a:grpFill/>
               </p:grpSpPr>
               <p:sp>
                 <p:nvSpPr>
@@ -4543,17 +4491,7 @@
                   <a:prstGeom prst="rect">
                     <a:avLst/>
                   </a:prstGeom>
-                  <a:gradFill>
-                    <a:gsLst>
-                      <a:gs pos="0">
-                        <a:srgbClr val="DBD4EB"/>
-                      </a:gs>
-                      <a:gs pos="100000">
-                        <a:srgbClr val="9180BB"/>
-                      </a:gs>
-                    </a:gsLst>
-                    <a:lin ang="16198662" scaled="0"/>
-                  </a:gradFill>
+                  <a:grpFill/>
                   <a:ln w="9525" cap="flat" cmpd="sng">
                     <a:solidFill>
                       <a:schemeClr val="dk2"/>
@@ -4605,17 +4543,7 @@
                       <a:gd name="adj" fmla="val 99657"/>
                     </a:avLst>
                   </a:prstGeom>
-                  <a:gradFill>
-                    <a:gsLst>
-                      <a:gs pos="0">
-                        <a:srgbClr val="DBD4EB"/>
-                      </a:gs>
-                      <a:gs pos="100000">
-                        <a:srgbClr val="9180BB"/>
-                      </a:gs>
-                    </a:gsLst>
-                    <a:lin ang="16198662" scaled="0"/>
-                  </a:gradFill>
+                  <a:grpFill/>
                   <a:ln w="9525" cap="flat" cmpd="sng">
                     <a:solidFill>
                       <a:schemeClr val="dk2"/>
@@ -4665,6 +4593,7 @@
                   <a:chOff x="5936312" y="1713442"/>
                   <a:chExt cx="190570" cy="227991"/>
                 </a:xfrm>
+                <a:grpFill/>
               </p:grpSpPr>
               <p:sp>
                 <p:nvSpPr>
@@ -4686,17 +4615,7 @@
                   <a:prstGeom prst="rect">
                     <a:avLst/>
                   </a:prstGeom>
-                  <a:gradFill>
-                    <a:gsLst>
-                      <a:gs pos="0">
-                        <a:srgbClr val="E0EDBA"/>
-                      </a:gs>
-                      <a:gs pos="100000">
-                        <a:srgbClr val="DE87F1"/>
-                      </a:gs>
-                    </a:gsLst>
-                    <a:lin ang="13500032" scaled="0"/>
-                  </a:gradFill>
+                  <a:grpFill/>
                   <a:ln w="9525" cap="flat" cmpd="sng">
                     <a:solidFill>
                       <a:schemeClr val="dk2"/>
@@ -4748,17 +4667,7 @@
                       <a:gd name="adj" fmla="val 91890"/>
                     </a:avLst>
                   </a:prstGeom>
-                  <a:gradFill>
-                    <a:gsLst>
-                      <a:gs pos="0">
-                        <a:srgbClr val="E0EDBA"/>
-                      </a:gs>
-                      <a:gs pos="100000">
-                        <a:srgbClr val="DE87F1"/>
-                      </a:gs>
-                    </a:gsLst>
-                    <a:lin ang="13500032" scaled="0"/>
-                  </a:gradFill>
+                  <a:grpFill/>
                   <a:ln w="9525" cap="flat" cmpd="sng">
                     <a:solidFill>
                       <a:schemeClr val="dk2"/>
@@ -4829,17 +4738,7 @@
                       </a:path>
                     </a:pathLst>
                   </a:custGeom>
-                  <a:gradFill>
-                    <a:gsLst>
-                      <a:gs pos="0">
-                        <a:srgbClr val="E0EDBA"/>
-                      </a:gs>
-                      <a:gs pos="100000">
-                        <a:srgbClr val="DE87F1"/>
-                      </a:gs>
-                    </a:gsLst>
-                    <a:lin ang="13500032" scaled="0"/>
-                  </a:gradFill>
+                  <a:grpFill/>
                   <a:ln w="9525" cap="flat" cmpd="sng">
                     <a:solidFill>
                       <a:schemeClr val="dk2"/>
@@ -4871,6 +4770,7 @@
                   <a:chOff x="5668659" y="1714000"/>
                   <a:chExt cx="193488" cy="227433"/>
                 </a:xfrm>
+                <a:grpFill/>
               </p:grpSpPr>
               <p:sp>
                 <p:nvSpPr>
@@ -4894,17 +4794,7 @@
                       <a:gd name="adj" fmla="val 94805"/>
                     </a:avLst>
                   </a:prstGeom>
-                  <a:gradFill>
-                    <a:gsLst>
-                      <a:gs pos="0">
-                        <a:srgbClr val="D8EDBA"/>
-                      </a:gs>
-                      <a:gs pos="100000">
-                        <a:srgbClr val="FE9696"/>
-                      </a:gs>
-                    </a:gsLst>
-                    <a:lin ang="13500032" scaled="0"/>
-                  </a:gradFill>
+                  <a:grpFill/>
                   <a:ln w="9525" cap="flat" cmpd="sng">
                     <a:solidFill>
                       <a:schemeClr val="dk2"/>
@@ -4954,17 +4844,7 @@
                   <a:prstGeom prst="rect">
                     <a:avLst/>
                   </a:prstGeom>
-                  <a:gradFill>
-                    <a:gsLst>
-                      <a:gs pos="0">
-                        <a:srgbClr val="D8EDBA"/>
-                      </a:gs>
-                      <a:gs pos="100000">
-                        <a:srgbClr val="FE9696"/>
-                      </a:gs>
-                    </a:gsLst>
-                    <a:lin ang="13500032" scaled="0"/>
-                  </a:gradFill>
+                  <a:grpFill/>
                   <a:ln w="9525" cap="flat" cmpd="sng">
                     <a:solidFill>
                       <a:schemeClr val="dk2"/>
@@ -5015,6 +4895,7 @@
                 <a:chOff x="5668659" y="1713442"/>
                 <a:chExt cx="458224" cy="227991"/>
               </a:xfrm>
+              <a:grpFill/>
             </p:grpSpPr>
             <p:grpSp>
               <p:nvGrpSpPr>
@@ -5035,6 +4916,7 @@
                   <a:chOff x="5802485" y="1713507"/>
                   <a:chExt cx="188679" cy="227926"/>
                 </a:xfrm>
+                <a:grpFill/>
               </p:grpSpPr>
               <p:sp>
                 <p:nvSpPr>
@@ -5056,17 +4938,7 @@
                   <a:prstGeom prst="rect">
                     <a:avLst/>
                   </a:prstGeom>
-                  <a:gradFill>
-                    <a:gsLst>
-                      <a:gs pos="0">
-                        <a:srgbClr val="DBD4EB"/>
-                      </a:gs>
-                      <a:gs pos="100000">
-                        <a:srgbClr val="9180BB"/>
-                      </a:gs>
-                    </a:gsLst>
-                    <a:lin ang="16198662" scaled="0"/>
-                  </a:gradFill>
+                  <a:grpFill/>
                   <a:ln w="9525" cap="flat" cmpd="sng">
                     <a:solidFill>
                       <a:schemeClr val="dk2"/>
@@ -5118,17 +4990,7 @@
                       <a:gd name="adj" fmla="val 99657"/>
                     </a:avLst>
                   </a:prstGeom>
-                  <a:gradFill>
-                    <a:gsLst>
-                      <a:gs pos="0">
-                        <a:srgbClr val="DBD4EB"/>
-                      </a:gs>
-                      <a:gs pos="100000">
-                        <a:srgbClr val="9180BB"/>
-                      </a:gs>
-                    </a:gsLst>
-                    <a:lin ang="16198662" scaled="0"/>
-                  </a:gradFill>
+                  <a:grpFill/>
                   <a:ln w="9525" cap="flat" cmpd="sng">
                     <a:solidFill>
                       <a:schemeClr val="dk2"/>
@@ -5178,6 +5040,7 @@
                   <a:chOff x="5936312" y="1713442"/>
                   <a:chExt cx="190570" cy="227991"/>
                 </a:xfrm>
+                <a:grpFill/>
               </p:grpSpPr>
               <p:sp>
                 <p:nvSpPr>
@@ -5199,17 +5062,7 @@
                   <a:prstGeom prst="rect">
                     <a:avLst/>
                   </a:prstGeom>
-                  <a:gradFill>
-                    <a:gsLst>
-                      <a:gs pos="0">
-                        <a:srgbClr val="E0EDBA"/>
-                      </a:gs>
-                      <a:gs pos="100000">
-                        <a:srgbClr val="DE87F1"/>
-                      </a:gs>
-                    </a:gsLst>
-                    <a:lin ang="13500032" scaled="0"/>
-                  </a:gradFill>
+                  <a:grpFill/>
                   <a:ln w="9525" cap="flat" cmpd="sng">
                     <a:solidFill>
                       <a:schemeClr val="dk2"/>
@@ -5261,17 +5114,7 @@
                       <a:gd name="adj" fmla="val 91890"/>
                     </a:avLst>
                   </a:prstGeom>
-                  <a:gradFill>
-                    <a:gsLst>
-                      <a:gs pos="0">
-                        <a:srgbClr val="E0EDBA"/>
-                      </a:gs>
-                      <a:gs pos="100000">
-                        <a:srgbClr val="DE87F1"/>
-                      </a:gs>
-                    </a:gsLst>
-                    <a:lin ang="13500032" scaled="0"/>
-                  </a:gradFill>
+                  <a:grpFill/>
                   <a:ln w="9525" cap="flat" cmpd="sng">
                     <a:solidFill>
                       <a:schemeClr val="dk2"/>
@@ -5342,17 +5185,7 @@
                       </a:path>
                     </a:pathLst>
                   </a:custGeom>
-                  <a:gradFill>
-                    <a:gsLst>
-                      <a:gs pos="0">
-                        <a:srgbClr val="E0EDBA"/>
-                      </a:gs>
-                      <a:gs pos="100000">
-                        <a:srgbClr val="DE87F1"/>
-                      </a:gs>
-                    </a:gsLst>
-                    <a:lin ang="13500032" scaled="0"/>
-                  </a:gradFill>
+                  <a:grpFill/>
                   <a:ln w="9525" cap="flat" cmpd="sng">
                     <a:solidFill>
                       <a:schemeClr val="dk2"/>
@@ -5384,6 +5217,7 @@
                   <a:chOff x="5668659" y="1714000"/>
                   <a:chExt cx="193488" cy="227433"/>
                 </a:xfrm>
+                <a:grpFill/>
               </p:grpSpPr>
               <p:sp>
                 <p:nvSpPr>
@@ -5407,17 +5241,7 @@
                       <a:gd name="adj" fmla="val 94805"/>
                     </a:avLst>
                   </a:prstGeom>
-                  <a:gradFill>
-                    <a:gsLst>
-                      <a:gs pos="0">
-                        <a:srgbClr val="D8EDBA"/>
-                      </a:gs>
-                      <a:gs pos="100000">
-                        <a:srgbClr val="FE9696"/>
-                      </a:gs>
-                    </a:gsLst>
-                    <a:lin ang="13500032" scaled="0"/>
-                  </a:gradFill>
+                  <a:grpFill/>
                   <a:ln w="9525" cap="flat" cmpd="sng">
                     <a:solidFill>
                       <a:schemeClr val="dk2"/>
@@ -5467,17 +5291,7 @@
                   <a:prstGeom prst="rect">
                     <a:avLst/>
                   </a:prstGeom>
-                  <a:gradFill>
-                    <a:gsLst>
-                      <a:gs pos="0">
-                        <a:srgbClr val="D8EDBA"/>
-                      </a:gs>
-                      <a:gs pos="100000">
-                        <a:srgbClr val="FE9696"/>
-                      </a:gs>
-                    </a:gsLst>
-                    <a:lin ang="13500032" scaled="0"/>
-                  </a:gradFill>
+                  <a:grpFill/>
                   <a:ln w="9525" cap="flat" cmpd="sng">
                     <a:solidFill>
                       <a:schemeClr val="dk2"/>
@@ -5529,6 +5343,7 @@
               <a:chOff x="608609" y="2370079"/>
               <a:chExt cx="458224" cy="523616"/>
             </a:xfrm>
+            <a:grpFill/>
           </p:grpSpPr>
           <p:grpSp>
             <p:nvGrpSpPr>
@@ -5549,6 +5364,7 @@
                 <a:chOff x="5668659" y="1713442"/>
                 <a:chExt cx="458224" cy="227991"/>
               </a:xfrm>
+              <a:grpFill/>
             </p:grpSpPr>
             <p:grpSp>
               <p:nvGrpSpPr>
@@ -5569,6 +5385,7 @@
                   <a:chOff x="5802485" y="1713507"/>
                   <a:chExt cx="188679" cy="227926"/>
                 </a:xfrm>
+                <a:grpFill/>
               </p:grpSpPr>
               <p:sp>
                 <p:nvSpPr>
@@ -5590,17 +5407,7 @@
                   <a:prstGeom prst="rect">
                     <a:avLst/>
                   </a:prstGeom>
-                  <a:gradFill>
-                    <a:gsLst>
-                      <a:gs pos="0">
-                        <a:srgbClr val="DBD4EB"/>
-                      </a:gs>
-                      <a:gs pos="100000">
-                        <a:srgbClr val="9180BB"/>
-                      </a:gs>
-                    </a:gsLst>
-                    <a:lin ang="16198662" scaled="0"/>
-                  </a:gradFill>
+                  <a:grpFill/>
                   <a:ln w="9525" cap="flat" cmpd="sng">
                     <a:solidFill>
                       <a:schemeClr val="dk2"/>
@@ -5652,17 +5459,7 @@
                       <a:gd name="adj" fmla="val 99657"/>
                     </a:avLst>
                   </a:prstGeom>
-                  <a:gradFill>
-                    <a:gsLst>
-                      <a:gs pos="0">
-                        <a:srgbClr val="DBD4EB"/>
-                      </a:gs>
-                      <a:gs pos="100000">
-                        <a:srgbClr val="9180BB"/>
-                      </a:gs>
-                    </a:gsLst>
-                    <a:lin ang="16198662" scaled="0"/>
-                  </a:gradFill>
+                  <a:grpFill/>
                   <a:ln w="9525" cap="flat" cmpd="sng">
                     <a:solidFill>
                       <a:schemeClr val="dk2"/>
@@ -5712,6 +5509,7 @@
                   <a:chOff x="5936312" y="1713442"/>
                   <a:chExt cx="190570" cy="227991"/>
                 </a:xfrm>
+                <a:grpFill/>
               </p:grpSpPr>
               <p:sp>
                 <p:nvSpPr>
@@ -5733,17 +5531,7 @@
                   <a:prstGeom prst="rect">
                     <a:avLst/>
                   </a:prstGeom>
-                  <a:gradFill>
-                    <a:gsLst>
-                      <a:gs pos="0">
-                        <a:srgbClr val="E0EDBA"/>
-                      </a:gs>
-                      <a:gs pos="100000">
-                        <a:srgbClr val="DE87F1"/>
-                      </a:gs>
-                    </a:gsLst>
-                    <a:lin ang="13500032" scaled="0"/>
-                  </a:gradFill>
+                  <a:grpFill/>
                   <a:ln w="9525" cap="flat" cmpd="sng">
                     <a:solidFill>
                       <a:schemeClr val="dk2"/>
@@ -5795,17 +5583,7 @@
                       <a:gd name="adj" fmla="val 91890"/>
                     </a:avLst>
                   </a:prstGeom>
-                  <a:gradFill>
-                    <a:gsLst>
-                      <a:gs pos="0">
-                        <a:srgbClr val="E0EDBA"/>
-                      </a:gs>
-                      <a:gs pos="100000">
-                        <a:srgbClr val="DE87F1"/>
-                      </a:gs>
-                    </a:gsLst>
-                    <a:lin ang="13500032" scaled="0"/>
-                  </a:gradFill>
+                  <a:grpFill/>
                   <a:ln w="9525" cap="flat" cmpd="sng">
                     <a:solidFill>
                       <a:schemeClr val="dk2"/>
@@ -5876,17 +5654,7 @@
                       </a:path>
                     </a:pathLst>
                   </a:custGeom>
-                  <a:gradFill>
-                    <a:gsLst>
-                      <a:gs pos="0">
-                        <a:srgbClr val="E0EDBA"/>
-                      </a:gs>
-                      <a:gs pos="100000">
-                        <a:srgbClr val="DE87F1"/>
-                      </a:gs>
-                    </a:gsLst>
-                    <a:lin ang="13500032" scaled="0"/>
-                  </a:gradFill>
+                  <a:grpFill/>
                   <a:ln w="9525" cap="flat" cmpd="sng">
                     <a:solidFill>
                       <a:schemeClr val="dk2"/>
@@ -5918,6 +5686,7 @@
                   <a:chOff x="5668659" y="1714000"/>
                   <a:chExt cx="193488" cy="227433"/>
                 </a:xfrm>
+                <a:grpFill/>
               </p:grpSpPr>
               <p:sp>
                 <p:nvSpPr>
@@ -5941,17 +5710,7 @@
                       <a:gd name="adj" fmla="val 94805"/>
                     </a:avLst>
                   </a:prstGeom>
-                  <a:gradFill>
-                    <a:gsLst>
-                      <a:gs pos="0">
-                        <a:srgbClr val="D8EDBA"/>
-                      </a:gs>
-                      <a:gs pos="100000">
-                        <a:srgbClr val="FE9696"/>
-                      </a:gs>
-                    </a:gsLst>
-                    <a:lin ang="13500032" scaled="0"/>
-                  </a:gradFill>
+                  <a:grpFill/>
                   <a:ln w="9525" cap="flat" cmpd="sng">
                     <a:solidFill>
                       <a:schemeClr val="dk2"/>
@@ -6001,17 +5760,7 @@
                   <a:prstGeom prst="rect">
                     <a:avLst/>
                   </a:prstGeom>
-                  <a:gradFill>
-                    <a:gsLst>
-                      <a:gs pos="0">
-                        <a:srgbClr val="D8EDBA"/>
-                      </a:gs>
-                      <a:gs pos="100000">
-                        <a:srgbClr val="FE9696"/>
-                      </a:gs>
-                    </a:gsLst>
-                    <a:lin ang="13500032" scaled="0"/>
-                  </a:gradFill>
+                  <a:grpFill/>
                   <a:ln w="9525" cap="flat" cmpd="sng">
                     <a:solidFill>
                       <a:schemeClr val="dk2"/>
@@ -6062,6 +5811,7 @@
                 <a:chOff x="5668659" y="1713442"/>
                 <a:chExt cx="458224" cy="227991"/>
               </a:xfrm>
+              <a:grpFill/>
             </p:grpSpPr>
             <p:grpSp>
               <p:nvGrpSpPr>
@@ -6082,6 +5832,7 @@
                   <a:chOff x="5802485" y="1713507"/>
                   <a:chExt cx="188679" cy="227926"/>
                 </a:xfrm>
+                <a:grpFill/>
               </p:grpSpPr>
               <p:sp>
                 <p:nvSpPr>
@@ -6103,17 +5854,7 @@
                   <a:prstGeom prst="rect">
                     <a:avLst/>
                   </a:prstGeom>
-                  <a:gradFill>
-                    <a:gsLst>
-                      <a:gs pos="0">
-                        <a:srgbClr val="DBD4EB"/>
-                      </a:gs>
-                      <a:gs pos="100000">
-                        <a:srgbClr val="9180BB"/>
-                      </a:gs>
-                    </a:gsLst>
-                    <a:lin ang="16198662" scaled="0"/>
-                  </a:gradFill>
+                  <a:grpFill/>
                   <a:ln w="9525" cap="flat" cmpd="sng">
                     <a:solidFill>
                       <a:schemeClr val="dk2"/>
@@ -6165,17 +5906,7 @@
                       <a:gd name="adj" fmla="val 99657"/>
                     </a:avLst>
                   </a:prstGeom>
-                  <a:gradFill>
-                    <a:gsLst>
-                      <a:gs pos="0">
-                        <a:srgbClr val="DBD4EB"/>
-                      </a:gs>
-                      <a:gs pos="100000">
-                        <a:srgbClr val="9180BB"/>
-                      </a:gs>
-                    </a:gsLst>
-                    <a:lin ang="16198662" scaled="0"/>
-                  </a:gradFill>
+                  <a:grpFill/>
                   <a:ln w="9525" cap="flat" cmpd="sng">
                     <a:solidFill>
                       <a:schemeClr val="dk2"/>
@@ -6225,6 +5956,7 @@
                   <a:chOff x="5936312" y="1713442"/>
                   <a:chExt cx="190570" cy="227991"/>
                 </a:xfrm>
+                <a:grpFill/>
               </p:grpSpPr>
               <p:sp>
                 <p:nvSpPr>
@@ -6246,17 +5978,7 @@
                   <a:prstGeom prst="rect">
                     <a:avLst/>
                   </a:prstGeom>
-                  <a:gradFill>
-                    <a:gsLst>
-                      <a:gs pos="0">
-                        <a:srgbClr val="E0EDBA"/>
-                      </a:gs>
-                      <a:gs pos="100000">
-                        <a:srgbClr val="DE87F1"/>
-                      </a:gs>
-                    </a:gsLst>
-                    <a:lin ang="13500032" scaled="0"/>
-                  </a:gradFill>
+                  <a:grpFill/>
                   <a:ln w="9525" cap="flat" cmpd="sng">
                     <a:solidFill>
                       <a:schemeClr val="dk2"/>
@@ -6308,17 +6030,7 @@
                       <a:gd name="adj" fmla="val 91890"/>
                     </a:avLst>
                   </a:prstGeom>
-                  <a:gradFill>
-                    <a:gsLst>
-                      <a:gs pos="0">
-                        <a:srgbClr val="E0EDBA"/>
-                      </a:gs>
-                      <a:gs pos="100000">
-                        <a:srgbClr val="DE87F1"/>
-                      </a:gs>
-                    </a:gsLst>
-                    <a:lin ang="13500032" scaled="0"/>
-                  </a:gradFill>
+                  <a:grpFill/>
                   <a:ln w="9525" cap="flat" cmpd="sng">
                     <a:solidFill>
                       <a:schemeClr val="dk2"/>
@@ -6389,17 +6101,7 @@
                       </a:path>
                     </a:pathLst>
                   </a:custGeom>
-                  <a:gradFill>
-                    <a:gsLst>
-                      <a:gs pos="0">
-                        <a:srgbClr val="E0EDBA"/>
-                      </a:gs>
-                      <a:gs pos="100000">
-                        <a:srgbClr val="DE87F1"/>
-                      </a:gs>
-                    </a:gsLst>
-                    <a:lin ang="13500032" scaled="0"/>
-                  </a:gradFill>
+                  <a:grpFill/>
                   <a:ln w="9525" cap="flat" cmpd="sng">
                     <a:solidFill>
                       <a:schemeClr val="dk2"/>
@@ -6431,6 +6133,7 @@
                   <a:chOff x="5668659" y="1714000"/>
                   <a:chExt cx="193488" cy="227433"/>
                 </a:xfrm>
+                <a:grpFill/>
               </p:grpSpPr>
               <p:sp>
                 <p:nvSpPr>
@@ -6454,17 +6157,7 @@
                       <a:gd name="adj" fmla="val 94805"/>
                     </a:avLst>
                   </a:prstGeom>
-                  <a:gradFill>
-                    <a:gsLst>
-                      <a:gs pos="0">
-                        <a:srgbClr val="D8EDBA"/>
-                      </a:gs>
-                      <a:gs pos="100000">
-                        <a:srgbClr val="FE9696"/>
-                      </a:gs>
-                    </a:gsLst>
-                    <a:lin ang="13500032" scaled="0"/>
-                  </a:gradFill>
+                  <a:grpFill/>
                   <a:ln w="9525" cap="flat" cmpd="sng">
                     <a:solidFill>
                       <a:schemeClr val="dk2"/>
@@ -6514,17 +6207,7 @@
                   <a:prstGeom prst="rect">
                     <a:avLst/>
                   </a:prstGeom>
-                  <a:gradFill>
-                    <a:gsLst>
-                      <a:gs pos="0">
-                        <a:srgbClr val="D8EDBA"/>
-                      </a:gs>
-                      <a:gs pos="100000">
-                        <a:srgbClr val="FE9696"/>
-                      </a:gs>
-                    </a:gsLst>
-                    <a:lin ang="13500032" scaled="0"/>
-                  </a:gradFill>
+                  <a:grpFill/>
                   <a:ln w="9525" cap="flat" cmpd="sng">
                     <a:solidFill>
                       <a:schemeClr val="dk2"/>
@@ -6575,6 +6258,7 @@
                 <a:chOff x="5668659" y="1713442"/>
                 <a:chExt cx="458224" cy="227991"/>
               </a:xfrm>
+              <a:grpFill/>
             </p:grpSpPr>
             <p:grpSp>
               <p:nvGrpSpPr>
@@ -6595,6 +6279,7 @@
                   <a:chOff x="5802485" y="1713507"/>
                   <a:chExt cx="188679" cy="227926"/>
                 </a:xfrm>
+                <a:grpFill/>
               </p:grpSpPr>
               <p:sp>
                 <p:nvSpPr>
@@ -6616,17 +6301,7 @@
                   <a:prstGeom prst="rect">
                     <a:avLst/>
                   </a:prstGeom>
-                  <a:gradFill>
-                    <a:gsLst>
-                      <a:gs pos="0">
-                        <a:srgbClr val="DBD4EB"/>
-                      </a:gs>
-                      <a:gs pos="100000">
-                        <a:srgbClr val="9180BB"/>
-                      </a:gs>
-                    </a:gsLst>
-                    <a:lin ang="16198662" scaled="0"/>
-                  </a:gradFill>
+                  <a:grpFill/>
                   <a:ln w="9525" cap="flat" cmpd="sng">
                     <a:solidFill>
                       <a:schemeClr val="dk2"/>
@@ -6678,17 +6353,7 @@
                       <a:gd name="adj" fmla="val 99657"/>
                     </a:avLst>
                   </a:prstGeom>
-                  <a:gradFill>
-                    <a:gsLst>
-                      <a:gs pos="0">
-                        <a:srgbClr val="DBD4EB"/>
-                      </a:gs>
-                      <a:gs pos="100000">
-                        <a:srgbClr val="9180BB"/>
-                      </a:gs>
-                    </a:gsLst>
-                    <a:lin ang="16198662" scaled="0"/>
-                  </a:gradFill>
+                  <a:grpFill/>
                   <a:ln w="9525" cap="flat" cmpd="sng">
                     <a:solidFill>
                       <a:schemeClr val="dk2"/>
@@ -6738,6 +6403,7 @@
                   <a:chOff x="5936312" y="1713442"/>
                   <a:chExt cx="190570" cy="227991"/>
                 </a:xfrm>
+                <a:grpFill/>
               </p:grpSpPr>
               <p:sp>
                 <p:nvSpPr>
@@ -6759,17 +6425,7 @@
                   <a:prstGeom prst="rect">
                     <a:avLst/>
                   </a:prstGeom>
-                  <a:gradFill>
-                    <a:gsLst>
-                      <a:gs pos="0">
-                        <a:srgbClr val="E0EDBA"/>
-                      </a:gs>
-                      <a:gs pos="100000">
-                        <a:srgbClr val="DE87F1"/>
-                      </a:gs>
-                    </a:gsLst>
-                    <a:lin ang="13500032" scaled="0"/>
-                  </a:gradFill>
+                  <a:grpFill/>
                   <a:ln w="9525" cap="flat" cmpd="sng">
                     <a:solidFill>
                       <a:schemeClr val="dk2"/>
@@ -6821,17 +6477,7 @@
                       <a:gd name="adj" fmla="val 91890"/>
                     </a:avLst>
                   </a:prstGeom>
-                  <a:gradFill>
-                    <a:gsLst>
-                      <a:gs pos="0">
-                        <a:srgbClr val="E0EDBA"/>
-                      </a:gs>
-                      <a:gs pos="100000">
-                        <a:srgbClr val="DE87F1"/>
-                      </a:gs>
-                    </a:gsLst>
-                    <a:lin ang="13500032" scaled="0"/>
-                  </a:gradFill>
+                  <a:grpFill/>
                   <a:ln w="9525" cap="flat" cmpd="sng">
                     <a:solidFill>
                       <a:schemeClr val="dk2"/>
@@ -6902,17 +6548,7 @@
                       </a:path>
                     </a:pathLst>
                   </a:custGeom>
-                  <a:gradFill>
-                    <a:gsLst>
-                      <a:gs pos="0">
-                        <a:srgbClr val="E0EDBA"/>
-                      </a:gs>
-                      <a:gs pos="100000">
-                        <a:srgbClr val="DE87F1"/>
-                      </a:gs>
-                    </a:gsLst>
-                    <a:lin ang="13500032" scaled="0"/>
-                  </a:gradFill>
+                  <a:grpFill/>
                   <a:ln w="9525" cap="flat" cmpd="sng">
                     <a:solidFill>
                       <a:schemeClr val="dk2"/>
@@ -6944,6 +6580,7 @@
                   <a:chOff x="5668659" y="1714000"/>
                   <a:chExt cx="193488" cy="227433"/>
                 </a:xfrm>
+                <a:grpFill/>
               </p:grpSpPr>
               <p:sp>
                 <p:nvSpPr>
@@ -6967,17 +6604,7 @@
                       <a:gd name="adj" fmla="val 94805"/>
                     </a:avLst>
                   </a:prstGeom>
-                  <a:gradFill>
-                    <a:gsLst>
-                      <a:gs pos="0">
-                        <a:srgbClr val="D8EDBA"/>
-                      </a:gs>
-                      <a:gs pos="100000">
-                        <a:srgbClr val="FE9696"/>
-                      </a:gs>
-                    </a:gsLst>
-                    <a:lin ang="13500032" scaled="0"/>
-                  </a:gradFill>
+                  <a:grpFill/>
                   <a:ln w="9525" cap="flat" cmpd="sng">
                     <a:solidFill>
                       <a:schemeClr val="dk2"/>
@@ -7027,17 +6654,7 @@
                   <a:prstGeom prst="rect">
                     <a:avLst/>
                   </a:prstGeom>
-                  <a:gradFill>
-                    <a:gsLst>
-                      <a:gs pos="0">
-                        <a:srgbClr val="D8EDBA"/>
-                      </a:gs>
-                      <a:gs pos="100000">
-                        <a:srgbClr val="FE9696"/>
-                      </a:gs>
-                    </a:gsLst>
-                    <a:lin ang="13500032" scaled="0"/>
-                  </a:gradFill>
+                  <a:grpFill/>
                   <a:ln w="9525" cap="flat" cmpd="sng">
                     <a:solidFill>
                       <a:schemeClr val="dk2"/>
@@ -7089,6 +6706,7 @@
               <a:chOff x="608609" y="2370079"/>
               <a:chExt cx="458224" cy="523616"/>
             </a:xfrm>
+            <a:grpFill/>
           </p:grpSpPr>
           <p:grpSp>
             <p:nvGrpSpPr>
@@ -7109,6 +6727,7 @@
                 <a:chOff x="5668659" y="1713442"/>
                 <a:chExt cx="458224" cy="227991"/>
               </a:xfrm>
+              <a:grpFill/>
             </p:grpSpPr>
             <p:grpSp>
               <p:nvGrpSpPr>
@@ -7129,6 +6748,7 @@
                   <a:chOff x="5802485" y="1713507"/>
                   <a:chExt cx="188679" cy="227926"/>
                 </a:xfrm>
+                <a:grpFill/>
               </p:grpSpPr>
               <p:sp>
                 <p:nvSpPr>
@@ -7150,17 +6770,7 @@
                   <a:prstGeom prst="rect">
                     <a:avLst/>
                   </a:prstGeom>
-                  <a:gradFill>
-                    <a:gsLst>
-                      <a:gs pos="0">
-                        <a:srgbClr val="DBD4EB"/>
-                      </a:gs>
-                      <a:gs pos="100000">
-                        <a:srgbClr val="9180BB"/>
-                      </a:gs>
-                    </a:gsLst>
-                    <a:lin ang="16198662" scaled="0"/>
-                  </a:gradFill>
+                  <a:grpFill/>
                   <a:ln w="9525" cap="flat" cmpd="sng">
                     <a:solidFill>
                       <a:schemeClr val="dk2"/>
@@ -7212,17 +6822,7 @@
                       <a:gd name="adj" fmla="val 99657"/>
                     </a:avLst>
                   </a:prstGeom>
-                  <a:gradFill>
-                    <a:gsLst>
-                      <a:gs pos="0">
-                        <a:srgbClr val="DBD4EB"/>
-                      </a:gs>
-                      <a:gs pos="100000">
-                        <a:srgbClr val="9180BB"/>
-                      </a:gs>
-                    </a:gsLst>
-                    <a:lin ang="16198662" scaled="0"/>
-                  </a:gradFill>
+                  <a:grpFill/>
                   <a:ln w="9525" cap="flat" cmpd="sng">
                     <a:solidFill>
                       <a:schemeClr val="dk2"/>
@@ -7272,6 +6872,7 @@
                   <a:chOff x="5936312" y="1713442"/>
                   <a:chExt cx="190570" cy="227991"/>
                 </a:xfrm>
+                <a:grpFill/>
               </p:grpSpPr>
               <p:sp>
                 <p:nvSpPr>
@@ -7293,17 +6894,7 @@
                   <a:prstGeom prst="rect">
                     <a:avLst/>
                   </a:prstGeom>
-                  <a:gradFill>
-                    <a:gsLst>
-                      <a:gs pos="0">
-                        <a:srgbClr val="E0EDBA"/>
-                      </a:gs>
-                      <a:gs pos="100000">
-                        <a:srgbClr val="DE87F1"/>
-                      </a:gs>
-                    </a:gsLst>
-                    <a:lin ang="13500032" scaled="0"/>
-                  </a:gradFill>
+                  <a:grpFill/>
                   <a:ln w="9525" cap="flat" cmpd="sng">
                     <a:solidFill>
                       <a:schemeClr val="dk2"/>
@@ -7355,17 +6946,7 @@
                       <a:gd name="adj" fmla="val 91890"/>
                     </a:avLst>
                   </a:prstGeom>
-                  <a:gradFill>
-                    <a:gsLst>
-                      <a:gs pos="0">
-                        <a:srgbClr val="E0EDBA"/>
-                      </a:gs>
-                      <a:gs pos="100000">
-                        <a:srgbClr val="DE87F1"/>
-                      </a:gs>
-                    </a:gsLst>
-                    <a:lin ang="13500032" scaled="0"/>
-                  </a:gradFill>
+                  <a:grpFill/>
                   <a:ln w="9525" cap="flat" cmpd="sng">
                     <a:solidFill>
                       <a:schemeClr val="dk2"/>
@@ -7436,17 +7017,7 @@
                       </a:path>
                     </a:pathLst>
                   </a:custGeom>
-                  <a:gradFill>
-                    <a:gsLst>
-                      <a:gs pos="0">
-                        <a:srgbClr val="E0EDBA"/>
-                      </a:gs>
-                      <a:gs pos="100000">
-                        <a:srgbClr val="DE87F1"/>
-                      </a:gs>
-                    </a:gsLst>
-                    <a:lin ang="13500032" scaled="0"/>
-                  </a:gradFill>
+                  <a:grpFill/>
                   <a:ln w="9525" cap="flat" cmpd="sng">
                     <a:solidFill>
                       <a:schemeClr val="dk2"/>
@@ -7478,6 +7049,7 @@
                   <a:chOff x="5668659" y="1714000"/>
                   <a:chExt cx="193488" cy="227433"/>
                 </a:xfrm>
+                <a:grpFill/>
               </p:grpSpPr>
               <p:sp>
                 <p:nvSpPr>
@@ -7501,17 +7073,7 @@
                       <a:gd name="adj" fmla="val 94805"/>
                     </a:avLst>
                   </a:prstGeom>
-                  <a:gradFill>
-                    <a:gsLst>
-                      <a:gs pos="0">
-                        <a:srgbClr val="D8EDBA"/>
-                      </a:gs>
-                      <a:gs pos="100000">
-                        <a:srgbClr val="FE9696"/>
-                      </a:gs>
-                    </a:gsLst>
-                    <a:lin ang="13500032" scaled="0"/>
-                  </a:gradFill>
+                  <a:grpFill/>
                   <a:ln w="9525" cap="flat" cmpd="sng">
                     <a:solidFill>
                       <a:schemeClr val="dk2"/>
@@ -7561,17 +7123,7 @@
                   <a:prstGeom prst="rect">
                     <a:avLst/>
                   </a:prstGeom>
-                  <a:gradFill>
-                    <a:gsLst>
-                      <a:gs pos="0">
-                        <a:srgbClr val="D8EDBA"/>
-                      </a:gs>
-                      <a:gs pos="100000">
-                        <a:srgbClr val="FE9696"/>
-                      </a:gs>
-                    </a:gsLst>
-                    <a:lin ang="13500032" scaled="0"/>
-                  </a:gradFill>
+                  <a:grpFill/>
                   <a:ln w="9525" cap="flat" cmpd="sng">
                     <a:solidFill>
                       <a:schemeClr val="dk2"/>
@@ -7622,6 +7174,7 @@
                 <a:chOff x="5668659" y="1713442"/>
                 <a:chExt cx="458224" cy="227991"/>
               </a:xfrm>
+              <a:grpFill/>
             </p:grpSpPr>
             <p:grpSp>
               <p:nvGrpSpPr>
@@ -7642,6 +7195,7 @@
                   <a:chOff x="5802485" y="1713507"/>
                   <a:chExt cx="188679" cy="227926"/>
                 </a:xfrm>
+                <a:grpFill/>
               </p:grpSpPr>
               <p:sp>
                 <p:nvSpPr>
@@ -7663,17 +7217,7 @@
                   <a:prstGeom prst="rect">
                     <a:avLst/>
                   </a:prstGeom>
-                  <a:gradFill>
-                    <a:gsLst>
-                      <a:gs pos="0">
-                        <a:srgbClr val="DBD4EB"/>
-                      </a:gs>
-                      <a:gs pos="100000">
-                        <a:srgbClr val="9180BB"/>
-                      </a:gs>
-                    </a:gsLst>
-                    <a:lin ang="16198662" scaled="0"/>
-                  </a:gradFill>
+                  <a:grpFill/>
                   <a:ln w="9525" cap="flat" cmpd="sng">
                     <a:solidFill>
                       <a:schemeClr val="dk2"/>
@@ -7725,17 +7269,7 @@
                       <a:gd name="adj" fmla="val 99657"/>
                     </a:avLst>
                   </a:prstGeom>
-                  <a:gradFill>
-                    <a:gsLst>
-                      <a:gs pos="0">
-                        <a:srgbClr val="DBD4EB"/>
-                      </a:gs>
-                      <a:gs pos="100000">
-                        <a:srgbClr val="9180BB"/>
-                      </a:gs>
-                    </a:gsLst>
-                    <a:lin ang="16198662" scaled="0"/>
-                  </a:gradFill>
+                  <a:grpFill/>
                   <a:ln w="9525" cap="flat" cmpd="sng">
                     <a:solidFill>
                       <a:schemeClr val="dk2"/>
@@ -7785,6 +7319,7 @@
                   <a:chOff x="5936312" y="1713442"/>
                   <a:chExt cx="190570" cy="227991"/>
                 </a:xfrm>
+                <a:grpFill/>
               </p:grpSpPr>
               <p:sp>
                 <p:nvSpPr>
@@ -7806,17 +7341,7 @@
                   <a:prstGeom prst="rect">
                     <a:avLst/>
                   </a:prstGeom>
-                  <a:gradFill>
-                    <a:gsLst>
-                      <a:gs pos="0">
-                        <a:srgbClr val="E0EDBA"/>
-                      </a:gs>
-                      <a:gs pos="100000">
-                        <a:srgbClr val="DE87F1"/>
-                      </a:gs>
-                    </a:gsLst>
-                    <a:lin ang="13500032" scaled="0"/>
-                  </a:gradFill>
+                  <a:grpFill/>
                   <a:ln w="9525" cap="flat" cmpd="sng">
                     <a:solidFill>
                       <a:schemeClr val="dk2"/>
@@ -7868,17 +7393,7 @@
                       <a:gd name="adj" fmla="val 91890"/>
                     </a:avLst>
                   </a:prstGeom>
-                  <a:gradFill>
-                    <a:gsLst>
-                      <a:gs pos="0">
-                        <a:srgbClr val="E0EDBA"/>
-                      </a:gs>
-                      <a:gs pos="100000">
-                        <a:srgbClr val="DE87F1"/>
-                      </a:gs>
-                    </a:gsLst>
-                    <a:lin ang="13500032" scaled="0"/>
-                  </a:gradFill>
+                  <a:grpFill/>
                   <a:ln w="9525" cap="flat" cmpd="sng">
                     <a:solidFill>
                       <a:schemeClr val="dk2"/>
@@ -7949,17 +7464,7 @@
                       </a:path>
                     </a:pathLst>
                   </a:custGeom>
-                  <a:gradFill>
-                    <a:gsLst>
-                      <a:gs pos="0">
-                        <a:srgbClr val="E0EDBA"/>
-                      </a:gs>
-                      <a:gs pos="100000">
-                        <a:srgbClr val="DE87F1"/>
-                      </a:gs>
-                    </a:gsLst>
-                    <a:lin ang="13500032" scaled="0"/>
-                  </a:gradFill>
+                  <a:grpFill/>
                   <a:ln w="9525" cap="flat" cmpd="sng">
                     <a:solidFill>
                       <a:schemeClr val="dk2"/>
@@ -7991,6 +7496,7 @@
                   <a:chOff x="5668659" y="1714000"/>
                   <a:chExt cx="193488" cy="227433"/>
                 </a:xfrm>
+                <a:grpFill/>
               </p:grpSpPr>
               <p:sp>
                 <p:nvSpPr>
@@ -8014,17 +7520,7 @@
                       <a:gd name="adj" fmla="val 94805"/>
                     </a:avLst>
                   </a:prstGeom>
-                  <a:gradFill>
-                    <a:gsLst>
-                      <a:gs pos="0">
-                        <a:srgbClr val="D8EDBA"/>
-                      </a:gs>
-                      <a:gs pos="100000">
-                        <a:srgbClr val="FE9696"/>
-                      </a:gs>
-                    </a:gsLst>
-                    <a:lin ang="13500032" scaled="0"/>
-                  </a:gradFill>
+                  <a:grpFill/>
                   <a:ln w="9525" cap="flat" cmpd="sng">
                     <a:solidFill>
                       <a:schemeClr val="dk2"/>
@@ -8074,17 +7570,7 @@
                   <a:prstGeom prst="rect">
                     <a:avLst/>
                   </a:prstGeom>
-                  <a:gradFill>
-                    <a:gsLst>
-                      <a:gs pos="0">
-                        <a:srgbClr val="D8EDBA"/>
-                      </a:gs>
-                      <a:gs pos="100000">
-                        <a:srgbClr val="FE9696"/>
-                      </a:gs>
-                    </a:gsLst>
-                    <a:lin ang="13500032" scaled="0"/>
-                  </a:gradFill>
+                  <a:grpFill/>
                   <a:ln w="9525" cap="flat" cmpd="sng">
                     <a:solidFill>
                       <a:schemeClr val="dk2"/>
@@ -8135,6 +7621,7 @@
                 <a:chOff x="5668659" y="1713442"/>
                 <a:chExt cx="458224" cy="227991"/>
               </a:xfrm>
+              <a:grpFill/>
             </p:grpSpPr>
             <p:grpSp>
               <p:nvGrpSpPr>
@@ -8155,6 +7642,7 @@
                   <a:chOff x="5802485" y="1713507"/>
                   <a:chExt cx="188679" cy="227926"/>
                 </a:xfrm>
+                <a:grpFill/>
               </p:grpSpPr>
               <p:sp>
                 <p:nvSpPr>
@@ -8176,17 +7664,7 @@
                   <a:prstGeom prst="rect">
                     <a:avLst/>
                   </a:prstGeom>
-                  <a:gradFill>
-                    <a:gsLst>
-                      <a:gs pos="0">
-                        <a:srgbClr val="DBD4EB"/>
-                      </a:gs>
-                      <a:gs pos="100000">
-                        <a:srgbClr val="9180BB"/>
-                      </a:gs>
-                    </a:gsLst>
-                    <a:lin ang="16198662" scaled="0"/>
-                  </a:gradFill>
+                  <a:grpFill/>
                   <a:ln w="9525" cap="flat" cmpd="sng">
                     <a:solidFill>
                       <a:schemeClr val="dk2"/>
@@ -8238,17 +7716,7 @@
                       <a:gd name="adj" fmla="val 99657"/>
                     </a:avLst>
                   </a:prstGeom>
-                  <a:gradFill>
-                    <a:gsLst>
-                      <a:gs pos="0">
-                        <a:srgbClr val="DBD4EB"/>
-                      </a:gs>
-                      <a:gs pos="100000">
-                        <a:srgbClr val="9180BB"/>
-                      </a:gs>
-                    </a:gsLst>
-                    <a:lin ang="16198662" scaled="0"/>
-                  </a:gradFill>
+                  <a:grpFill/>
                   <a:ln w="9525" cap="flat" cmpd="sng">
                     <a:solidFill>
                       <a:schemeClr val="dk2"/>
@@ -8298,6 +7766,7 @@
                   <a:chOff x="5936312" y="1713442"/>
                   <a:chExt cx="190570" cy="227991"/>
                 </a:xfrm>
+                <a:grpFill/>
               </p:grpSpPr>
               <p:sp>
                 <p:nvSpPr>
@@ -8319,17 +7788,7 @@
                   <a:prstGeom prst="rect">
                     <a:avLst/>
                   </a:prstGeom>
-                  <a:gradFill>
-                    <a:gsLst>
-                      <a:gs pos="0">
-                        <a:srgbClr val="E0EDBA"/>
-                      </a:gs>
-                      <a:gs pos="100000">
-                        <a:srgbClr val="DE87F1"/>
-                      </a:gs>
-                    </a:gsLst>
-                    <a:lin ang="13500032" scaled="0"/>
-                  </a:gradFill>
+                  <a:grpFill/>
                   <a:ln w="9525" cap="flat" cmpd="sng">
                     <a:solidFill>
                       <a:schemeClr val="dk2"/>
@@ -8381,17 +7840,7 @@
                       <a:gd name="adj" fmla="val 91890"/>
                     </a:avLst>
                   </a:prstGeom>
-                  <a:gradFill>
-                    <a:gsLst>
-                      <a:gs pos="0">
-                        <a:srgbClr val="E0EDBA"/>
-                      </a:gs>
-                      <a:gs pos="100000">
-                        <a:srgbClr val="DE87F1"/>
-                      </a:gs>
-                    </a:gsLst>
-                    <a:lin ang="13500032" scaled="0"/>
-                  </a:gradFill>
+                  <a:grpFill/>
                   <a:ln w="9525" cap="flat" cmpd="sng">
                     <a:solidFill>
                       <a:schemeClr val="dk2"/>
@@ -8462,17 +7911,7 @@
                       </a:path>
                     </a:pathLst>
                   </a:custGeom>
-                  <a:gradFill>
-                    <a:gsLst>
-                      <a:gs pos="0">
-                        <a:srgbClr val="E0EDBA"/>
-                      </a:gs>
-                      <a:gs pos="100000">
-                        <a:srgbClr val="DE87F1"/>
-                      </a:gs>
-                    </a:gsLst>
-                    <a:lin ang="13500032" scaled="0"/>
-                  </a:gradFill>
+                  <a:grpFill/>
                   <a:ln w="9525" cap="flat" cmpd="sng">
                     <a:solidFill>
                       <a:schemeClr val="dk2"/>
@@ -8504,6 +7943,7 @@
                   <a:chOff x="5668659" y="1714000"/>
                   <a:chExt cx="193488" cy="227433"/>
                 </a:xfrm>
+                <a:grpFill/>
               </p:grpSpPr>
               <p:sp>
                 <p:nvSpPr>
@@ -8527,17 +7967,7 @@
                       <a:gd name="adj" fmla="val 94805"/>
                     </a:avLst>
                   </a:prstGeom>
-                  <a:gradFill>
-                    <a:gsLst>
-                      <a:gs pos="0">
-                        <a:srgbClr val="D8EDBA"/>
-                      </a:gs>
-                      <a:gs pos="100000">
-                        <a:srgbClr val="FE9696"/>
-                      </a:gs>
-                    </a:gsLst>
-                    <a:lin ang="13500032" scaled="0"/>
-                  </a:gradFill>
+                  <a:grpFill/>
                   <a:ln w="9525" cap="flat" cmpd="sng">
                     <a:solidFill>
                       <a:schemeClr val="dk2"/>
@@ -8587,17 +8017,7 @@
                   <a:prstGeom prst="rect">
                     <a:avLst/>
                   </a:prstGeom>
-                  <a:gradFill>
-                    <a:gsLst>
-                      <a:gs pos="0">
-                        <a:srgbClr val="D8EDBA"/>
-                      </a:gs>
-                      <a:gs pos="100000">
-                        <a:srgbClr val="FE9696"/>
-                      </a:gs>
-                    </a:gsLst>
-                    <a:lin ang="13500032" scaled="0"/>
-                  </a:gradFill>
+                  <a:grpFill/>
                   <a:ln w="9525" cap="flat" cmpd="sng">
                     <a:solidFill>
                       <a:schemeClr val="dk2"/>
@@ -8631,6 +8051,42 @@
           </p:grpSp>
         </p:grpSp>
       </p:grpSp>
+      <p:sp>
+        <p:nvSpPr>
+          <p:cNvPr id="115" name="文本框 114">
+            <a:extLst>
+              <a:ext uri="{FF2B5EF4-FFF2-40B4-BE49-F238E27FC236}">
+                <a16:creationId xmlns:a16="http://schemas.microsoft.com/office/drawing/2014/main" id="{C87816B0-897E-46FB-8D80-D544A1361E34}"/>
+              </a:ext>
+            </a:extLst>
+          </p:cNvPr>
+          <p:cNvSpPr txBox="1"/>
+          <p:nvPr/>
+        </p:nvSpPr>
+        <p:spPr>
+          <a:xfrm>
+            <a:off x="4321593" y="1526023"/>
+            <a:ext cx="874844" cy="369332"/>
+          </a:xfrm>
+          <a:prstGeom prst="rect">
+            <a:avLst/>
+          </a:prstGeom>
+          <a:noFill/>
+        </p:spPr>
+        <p:txBody>
+          <a:bodyPr wrap="square" rtlCol="0">
+            <a:spAutoFit/>
+          </a:bodyPr>
+          <a:lstStyle/>
+          <a:p>
+            <a:r>
+              <a:rPr lang="en-US" altLang="zh-CN" dirty="0"/>
+              <a:t>ReLU</a:t>
+            </a:r>
+            <a:endParaRPr lang="zh-CN" altLang="en-US" dirty="0"/>
+          </a:p>
+        </p:txBody>
+      </p:sp>
     </p:spTree>
     <p:extLst>
       <p:ext uri="{BB962C8B-B14F-4D97-AF65-F5344CB8AC3E}">
